--- a/Stack Overflow Presentation PPTX.pptx
+++ b/Stack Overflow Presentation PPTX.pptx
@@ -2,40 +2,41 @@
 <file path=ppt/presentation.xml><?xml version="1.0" encoding="utf-8"?>
 <p:presentation xmlns:a="http://schemas.openxmlformats.org/drawingml/2006/main" xmlns:r="http://schemas.openxmlformats.org/officeDocument/2006/relationships" xmlns:mc="http://schemas.openxmlformats.org/markup-compatibility/2006" xmlns:mv="urn:schemas-microsoft-com:mac:vml" xmlns:p="http://schemas.openxmlformats.org/presentationml/2006/main" xmlns:c="http://schemas.openxmlformats.org/drawingml/2006/chart" xmlns:dgm="http://schemas.openxmlformats.org/drawingml/2006/diagram" xmlns:o="urn:schemas-microsoft-com:office:office" xmlns:v="urn:schemas-microsoft-com:vml" xmlns:pvml="urn:schemas-microsoft-com:office:powerpoint" xmlns:com="http://schemas.openxmlformats.org/drawingml/2006/compatibility" xmlns:p14="http://schemas.microsoft.com/office/powerpoint/2010/main" xmlns:p15="http://schemas.microsoft.com/office/powerpoint/2012/main" xmlns:ahyp="http://schemas.microsoft.com/office/drawing/2018/hyperlinkcolor" autoCompressPictures="0" embedTrueTypeFonts="1" strictFirstAndLastChars="0" saveSubsetFonts="1">
   <p:sldMasterIdLst>
-    <p:sldMasterId id="2147483659" r:id="rId4"/>
+    <p:sldMasterId id="2147483659" r:id="rId5"/>
   </p:sldMasterIdLst>
   <p:notesMasterIdLst>
-    <p:notesMasterId r:id="rId5"/>
+    <p:notesMasterId r:id="rId6"/>
   </p:notesMasterIdLst>
   <p:sldIdLst>
-    <p:sldId id="256" r:id="rId6"/>
-    <p:sldId id="257" r:id="rId7"/>
-    <p:sldId id="258" r:id="rId8"/>
-    <p:sldId id="259" r:id="rId9"/>
-    <p:sldId id="260" r:id="rId10"/>
-    <p:sldId id="261" r:id="rId11"/>
-    <p:sldId id="262" r:id="rId12"/>
-    <p:sldId id="263" r:id="rId13"/>
-    <p:sldId id="264" r:id="rId14"/>
-    <p:sldId id="265" r:id="rId15"/>
-    <p:sldId id="266" r:id="rId16"/>
-    <p:sldId id="267" r:id="rId17"/>
-    <p:sldId id="268" r:id="rId18"/>
+    <p:sldId id="256" r:id="rId7"/>
+    <p:sldId id="257" r:id="rId8"/>
+    <p:sldId id="258" r:id="rId9"/>
+    <p:sldId id="259" r:id="rId10"/>
+    <p:sldId id="260" r:id="rId11"/>
+    <p:sldId id="261" r:id="rId12"/>
+    <p:sldId id="262" r:id="rId13"/>
+    <p:sldId id="263" r:id="rId14"/>
+    <p:sldId id="264" r:id="rId15"/>
+    <p:sldId id="265" r:id="rId16"/>
+    <p:sldId id="266" r:id="rId17"/>
+    <p:sldId id="267" r:id="rId18"/>
+    <p:sldId id="268" r:id="rId19"/>
+    <p:sldId id="269" r:id="rId20"/>
   </p:sldIdLst>
   <p:sldSz cy="5143500" cx="9144000"/>
   <p:notesSz cx="6858000" cy="9144000"/>
   <p:embeddedFontLst>
     <p:embeddedFont>
       <p:font typeface="Nunito"/>
-      <p:regular r:id="rId19"/>
-      <p:bold r:id="rId20"/>
-      <p:italic r:id="rId21"/>
-      <p:boldItalic r:id="rId22"/>
+      <p:regular r:id="rId21"/>
+      <p:bold r:id="rId22"/>
+      <p:italic r:id="rId23"/>
+      <p:boldItalic r:id="rId24"/>
     </p:embeddedFont>
     <p:embeddedFont>
       <p:font typeface="Maven Pro"/>
-      <p:regular r:id="rId23"/>
-      <p:bold r:id="rId24"/>
+      <p:regular r:id="rId25"/>
+      <p:bold r:id="rId26"/>
     </p:embeddedFont>
   </p:embeddedFontLst>
   <p:defaultTextStyle>
@@ -816,7 +817,7 @@
   <p:cSld>
     <p:spTree>
       <p:nvGrpSpPr>
-        <p:cNvPr id="373" name="Shape 373"/>
+        <p:cNvPr id="370" name="Shape 370"/>
         <p:cNvGrpSpPr/>
         <p:nvPr/>
       </p:nvGrpSpPr>
@@ -830,7 +831,7 @@
       </p:grpSpPr>
       <p:sp>
         <p:nvSpPr>
-          <p:cNvPr id="374" name="Google Shape;374;g1076ef1a259_0_150:notes"/>
+          <p:cNvPr id="371" name="Google Shape;371;g124cae4761f_0_75:notes"/>
           <p:cNvSpPr/>
           <p:nvPr>
             <p:ph idx="2" type="sldImg"/>
@@ -865,7 +866,7 @@
       </p:sp>
       <p:sp>
         <p:nvSpPr>
-          <p:cNvPr id="375" name="Google Shape;375;g1076ef1a259_0_150:notes"/>
+          <p:cNvPr id="372" name="Google Shape;372;g124cae4761f_0_75:notes"/>
           <p:cNvSpPr txBox="1"/>
           <p:nvPr>
             <p:ph idx="1" type="body"/>
@@ -915,7 +916,7 @@
   <p:cSld>
     <p:spTree>
       <p:nvGrpSpPr>
-        <p:cNvPr id="379" name="Shape 379"/>
+        <p:cNvPr id="380" name="Shape 380"/>
         <p:cNvGrpSpPr/>
         <p:nvPr/>
       </p:nvGrpSpPr>
@@ -929,7 +930,7 @@
       </p:grpSpPr>
       <p:sp>
         <p:nvSpPr>
-          <p:cNvPr id="380" name="Google Shape;380;g1076ef1a259_0_145:notes"/>
+          <p:cNvPr id="381" name="Google Shape;381;g1076ef1a259_0_150:notes"/>
           <p:cNvSpPr/>
           <p:nvPr>
             <p:ph idx="2" type="sldImg"/>
@@ -964,7 +965,7 @@
       </p:sp>
       <p:sp>
         <p:nvSpPr>
-          <p:cNvPr id="381" name="Google Shape;381;g1076ef1a259_0_145:notes"/>
+          <p:cNvPr id="382" name="Google Shape;382;g1076ef1a259_0_150:notes"/>
           <p:cNvSpPr txBox="1"/>
           <p:nvPr>
             <p:ph idx="1" type="body"/>
@@ -1014,7 +1015,7 @@
   <p:cSld>
     <p:spTree>
       <p:nvGrpSpPr>
-        <p:cNvPr id="385" name="Shape 385"/>
+        <p:cNvPr id="386" name="Shape 386"/>
         <p:cNvGrpSpPr/>
         <p:nvPr/>
       </p:nvGrpSpPr>
@@ -1028,7 +1029,7 @@
       </p:grpSpPr>
       <p:sp>
         <p:nvSpPr>
-          <p:cNvPr id="386" name="Google Shape;386;g1076ef1a259_0_155:notes"/>
+          <p:cNvPr id="387" name="Google Shape;387;g1076ef1a259_0_145:notes"/>
           <p:cNvSpPr/>
           <p:nvPr>
             <p:ph idx="2" type="sldImg"/>
@@ -1063,7 +1064,7 @@
       </p:sp>
       <p:sp>
         <p:nvSpPr>
-          <p:cNvPr id="387" name="Google Shape;387;g1076ef1a259_0_155:notes"/>
+          <p:cNvPr id="388" name="Google Shape;388;g1076ef1a259_0_145:notes"/>
           <p:cNvSpPr txBox="1"/>
           <p:nvPr>
             <p:ph idx="1" type="body"/>
@@ -1113,7 +1114,7 @@
   <p:cSld>
     <p:spTree>
       <p:nvGrpSpPr>
-        <p:cNvPr id="391" name="Shape 391"/>
+        <p:cNvPr id="392" name="Shape 392"/>
         <p:cNvGrpSpPr/>
         <p:nvPr/>
       </p:nvGrpSpPr>
@@ -1127,7 +1128,7 @@
       </p:grpSpPr>
       <p:sp>
         <p:nvSpPr>
-          <p:cNvPr id="392" name="Google Shape;392;g1076ef1a259_0_178:notes"/>
+          <p:cNvPr id="393" name="Google Shape;393;g1076ef1a259_0_155:notes"/>
           <p:cNvSpPr/>
           <p:nvPr>
             <p:ph idx="2" type="sldImg"/>
@@ -1162,7 +1163,106 @@
       </p:sp>
       <p:sp>
         <p:nvSpPr>
-          <p:cNvPr id="393" name="Google Shape;393;g1076ef1a259_0_178:notes"/>
+          <p:cNvPr id="394" name="Google Shape;394;g1076ef1a259_0_155:notes"/>
+          <p:cNvSpPr txBox="1"/>
+          <p:nvPr>
+            <p:ph idx="1" type="body"/>
+          </p:nvPr>
+        </p:nvSpPr>
+        <p:spPr>
+          <a:xfrm>
+            <a:off x="685800" y="4343400"/>
+            <a:ext cx="5486400" cy="4114800"/>
+          </a:xfrm>
+          <a:prstGeom prst="rect">
+            <a:avLst/>
+          </a:prstGeom>
+        </p:spPr>
+        <p:txBody>
+          <a:bodyPr anchorCtr="0" anchor="t" bIns="91425" lIns="91425" spcFirstLastPara="1" rIns="91425" wrap="square" tIns="91425">
+            <a:noAutofit/>
+          </a:bodyPr>
+          <a:lstStyle/>
+          <a:p>
+            <a:pPr indent="0" lvl="0" marL="0" rtl="0" algn="l">
+              <a:spcBef>
+                <a:spcPts val="0"/>
+              </a:spcBef>
+              <a:spcAft>
+                <a:spcPts val="0"/>
+              </a:spcAft>
+              <a:buNone/>
+            </a:pPr>
+            <a:r>
+              <a:t/>
+            </a:r>
+            <a:endParaRPr/>
+          </a:p>
+        </p:txBody>
+      </p:sp>
+    </p:spTree>
+  </p:cSld>
+  <p:clrMapOvr>
+    <a:masterClrMapping/>
+  </p:clrMapOvr>
+</p:notes>
+</file>
+
+<file path=ppt/notesSlides/notesSlide14.xml><?xml version="1.0" encoding="utf-8"?>
+<p:notes xmlns:a="http://schemas.openxmlformats.org/drawingml/2006/main" xmlns:r="http://schemas.openxmlformats.org/officeDocument/2006/relationships" xmlns:mc="http://schemas.openxmlformats.org/markup-compatibility/2006" xmlns:mv="urn:schemas-microsoft-com:mac:vml" xmlns:p="http://schemas.openxmlformats.org/presentationml/2006/main" xmlns:c="http://schemas.openxmlformats.org/drawingml/2006/chart" xmlns:dgm="http://schemas.openxmlformats.org/drawingml/2006/diagram" xmlns:o="urn:schemas-microsoft-com:office:office" xmlns:v="urn:schemas-microsoft-com:vml" xmlns:pvml="urn:schemas-microsoft-com:office:powerpoint" xmlns:com="http://schemas.openxmlformats.org/drawingml/2006/compatibility" xmlns:p14="http://schemas.microsoft.com/office/powerpoint/2010/main" xmlns:p15="http://schemas.microsoft.com/office/powerpoint/2012/main" xmlns:ahyp="http://schemas.microsoft.com/office/drawing/2018/hyperlinkcolor" showMasterPhAnim="0" showMasterSp="0">
+  <p:cSld>
+    <p:spTree>
+      <p:nvGrpSpPr>
+        <p:cNvPr id="398" name="Shape 398"/>
+        <p:cNvGrpSpPr/>
+        <p:nvPr/>
+      </p:nvGrpSpPr>
+      <p:grpSpPr>
+        <a:xfrm>
+          <a:off x="0" y="0"/>
+          <a:ext cx="0" cy="0"/>
+          <a:chOff x="0" y="0"/>
+          <a:chExt cx="0" cy="0"/>
+        </a:xfrm>
+      </p:grpSpPr>
+      <p:sp>
+        <p:nvSpPr>
+          <p:cNvPr id="399" name="Google Shape;399;g1076ef1a259_0_178:notes"/>
+          <p:cNvSpPr/>
+          <p:nvPr>
+            <p:ph idx="2" type="sldImg"/>
+          </p:nvPr>
+        </p:nvSpPr>
+        <p:spPr>
+          <a:xfrm>
+            <a:off x="381300" y="685800"/>
+            <a:ext cx="6096000" cy="3429000"/>
+          </a:xfrm>
+          <a:custGeom>
+            <a:rect b="b" l="l" r="r" t="t"/>
+            <a:pathLst>
+              <a:path extrusionOk="0" h="120000" w="120000">
+                <a:moveTo>
+                  <a:pt x="0" y="0"/>
+                </a:moveTo>
+                <a:lnTo>
+                  <a:pt x="120000" y="0"/>
+                </a:lnTo>
+                <a:lnTo>
+                  <a:pt x="120000" y="120000"/>
+                </a:lnTo>
+                <a:lnTo>
+                  <a:pt x="0" y="120000"/>
+                </a:lnTo>
+                <a:close/>
+              </a:path>
+            </a:pathLst>
+          </a:custGeom>
+        </p:spPr>
+      </p:sp>
+      <p:sp>
+        <p:nvSpPr>
+          <p:cNvPr id="400" name="Google Shape;400;g1076ef1a259_0_178:notes"/>
           <p:cNvSpPr txBox="1"/>
           <p:nvPr>
             <p:ph idx="1" type="body"/>
@@ -1820,7 +1920,7 @@
       </p:grpSpPr>
       <p:sp>
         <p:nvSpPr>
-          <p:cNvPr id="356" name="Google Shape;356;g10f97b09b02_0_1045:notes"/>
+          <p:cNvPr id="356" name="Google Shape;356;g1251f99c7e3_0_1:notes"/>
           <p:cNvSpPr/>
           <p:nvPr>
             <p:ph idx="2" type="sldImg"/>
@@ -1855,7 +1955,7 @@
       </p:sp>
       <p:sp>
         <p:nvSpPr>
-          <p:cNvPr id="357" name="Google Shape;357;g10f97b09b02_0_1045:notes"/>
+          <p:cNvPr id="357" name="Google Shape;357;g1251f99c7e3_0_1:notes"/>
           <p:cNvSpPr txBox="1"/>
           <p:nvPr>
             <p:ph idx="1" type="body"/>
@@ -1919,7 +2019,7 @@
       </p:grpSpPr>
       <p:sp>
         <p:nvSpPr>
-          <p:cNvPr id="364" name="Google Shape;364;g124cae4761f_0_75:notes"/>
+          <p:cNvPr id="364" name="Google Shape;364;g1251f99c7e3_0_8:notes"/>
           <p:cNvSpPr/>
           <p:nvPr>
             <p:ph idx="2" type="sldImg"/>
@@ -1954,7 +2054,7 @@
       </p:sp>
       <p:sp>
         <p:nvSpPr>
-          <p:cNvPr id="365" name="Google Shape;365;g124cae4761f_0_75:notes"/>
+          <p:cNvPr id="365" name="Google Shape;365;g1251f99c7e3_0_8:notes"/>
           <p:cNvSpPr txBox="1"/>
           <p:nvPr>
             <p:ph idx="1" type="body"/>
@@ -16420,7 +16520,7 @@
   <p:cSld>
     <p:spTree>
       <p:nvGrpSpPr>
-        <p:cNvPr id="376" name="Shape 376"/>
+        <p:cNvPr id="373" name="Shape 373"/>
         <p:cNvGrpSpPr/>
         <p:nvPr/>
       </p:nvGrpSpPr>
@@ -16434,7 +16534,7 @@
       </p:grpSpPr>
       <p:sp>
         <p:nvSpPr>
-          <p:cNvPr id="377" name="Google Shape;377;p22"/>
+          <p:cNvPr id="374" name="Google Shape;374;p22"/>
           <p:cNvSpPr txBox="1"/>
           <p:nvPr>
             <p:ph type="title"/>
@@ -16466,6 +16566,428 @@
             </a:pPr>
             <a:r>
               <a:rPr lang="en"/>
+              <a:t>Content Recommendation</a:t>
+            </a:r>
+            <a:endParaRPr/>
+          </a:p>
+        </p:txBody>
+      </p:sp>
+      <p:sp>
+        <p:nvSpPr>
+          <p:cNvPr id="375" name="Google Shape;375;p22"/>
+          <p:cNvSpPr txBox="1"/>
+          <p:nvPr>
+            <p:ph idx="1" type="body"/>
+          </p:nvPr>
+        </p:nvSpPr>
+        <p:spPr>
+          <a:xfrm>
+            <a:off x="1303800" y="1388600"/>
+            <a:ext cx="7030500" cy="2541600"/>
+          </a:xfrm>
+          <a:prstGeom prst="rect">
+            <a:avLst/>
+          </a:prstGeom>
+        </p:spPr>
+        <p:txBody>
+          <a:bodyPr anchorCtr="0" anchor="t" bIns="91425" lIns="91425" spcFirstLastPara="1" rIns="91425" wrap="square" tIns="91425">
+            <a:normAutofit/>
+          </a:bodyPr>
+          <a:lstStyle/>
+          <a:p>
+            <a:pPr indent="0" lvl="0" marL="0" rtl="0" algn="l">
+              <a:spcBef>
+                <a:spcPts val="0"/>
+              </a:spcBef>
+              <a:spcAft>
+                <a:spcPts val="0"/>
+              </a:spcAft>
+              <a:buNone/>
+            </a:pPr>
+            <a:r>
+              <a:rPr lang="en"/>
+              <a:t>Business can recommend other questions based on the content and question asked.</a:t>
+            </a:r>
+            <a:endParaRPr/>
+          </a:p>
+          <a:p>
+            <a:pPr indent="0" lvl="0" marL="0" rtl="0" algn="l">
+              <a:spcBef>
+                <a:spcPts val="1200"/>
+              </a:spcBef>
+              <a:spcAft>
+                <a:spcPts val="1200"/>
+              </a:spcAft>
+              <a:buNone/>
+            </a:pPr>
+            <a:r>
+              <a:t/>
+            </a:r>
+            <a:endParaRPr/>
+          </a:p>
+        </p:txBody>
+      </p:sp>
+      <p:sp>
+        <p:nvSpPr>
+          <p:cNvPr id="376" name="Google Shape;376;p22"/>
+          <p:cNvSpPr txBox="1"/>
+          <p:nvPr/>
+        </p:nvSpPr>
+        <p:spPr>
+          <a:xfrm>
+            <a:off x="1368825" y="2395450"/>
+            <a:ext cx="1493400" cy="431100"/>
+          </a:xfrm>
+          <a:prstGeom prst="rect">
+            <a:avLst/>
+          </a:prstGeom>
+          <a:noFill/>
+          <a:ln>
+            <a:noFill/>
+          </a:ln>
+        </p:spPr>
+        <p:txBody>
+          <a:bodyPr anchorCtr="0" anchor="t" bIns="91425" lIns="91425" spcFirstLastPara="1" rIns="91425" wrap="square" tIns="91425">
+            <a:spAutoFit/>
+          </a:bodyPr>
+          <a:lstStyle/>
+          <a:p>
+            <a:pPr indent="0" lvl="0" marL="0" rtl="0" algn="l">
+              <a:spcBef>
+                <a:spcPts val="0"/>
+              </a:spcBef>
+              <a:spcAft>
+                <a:spcPts val="0"/>
+              </a:spcAft>
+              <a:buNone/>
+            </a:pPr>
+            <a:r>
+              <a:rPr b="1" lang="en" sz="1600">
+                <a:latin typeface="Nunito"/>
+                <a:ea typeface="Nunito"/>
+                <a:cs typeface="Nunito"/>
+                <a:sym typeface="Nunito"/>
+              </a:rPr>
+              <a:t>Topic: API</a:t>
+            </a:r>
+            <a:endParaRPr b="1" sz="1600">
+              <a:latin typeface="Nunito"/>
+              <a:ea typeface="Nunito"/>
+              <a:cs typeface="Nunito"/>
+              <a:sym typeface="Nunito"/>
+            </a:endParaRPr>
+          </a:p>
+        </p:txBody>
+      </p:sp>
+      <p:sp>
+        <p:nvSpPr>
+          <p:cNvPr id="377" name="Google Shape;377;p22"/>
+          <p:cNvSpPr txBox="1"/>
+          <p:nvPr/>
+        </p:nvSpPr>
+        <p:spPr>
+          <a:xfrm>
+            <a:off x="1368825" y="2795650"/>
+            <a:ext cx="2675400" cy="1179900"/>
+          </a:xfrm>
+          <a:prstGeom prst="rect">
+            <a:avLst/>
+          </a:prstGeom>
+          <a:noFill/>
+          <a:ln>
+            <a:noFill/>
+          </a:ln>
+        </p:spPr>
+        <p:txBody>
+          <a:bodyPr anchorCtr="0" anchor="t" bIns="91425" lIns="91425" spcFirstLastPara="1" rIns="91425" wrap="square" tIns="91425">
+            <a:spAutoFit/>
+          </a:bodyPr>
+          <a:lstStyle/>
+          <a:p>
+            <a:pPr indent="0" lvl="0" marL="0" rtl="0" algn="l">
+              <a:spcBef>
+                <a:spcPts val="0"/>
+              </a:spcBef>
+              <a:spcAft>
+                <a:spcPts val="0"/>
+              </a:spcAft>
+              <a:buNone/>
+            </a:pPr>
+            <a:r>
+              <a:rPr lang="en" sz="1500">
+                <a:latin typeface="Nunito"/>
+                <a:ea typeface="Nunito"/>
+                <a:cs typeface="Nunito"/>
+                <a:sym typeface="Nunito"/>
+              </a:rPr>
+              <a:t>Top 5 Similar Topics:</a:t>
+            </a:r>
+            <a:endParaRPr sz="1500">
+              <a:latin typeface="Nunito"/>
+              <a:ea typeface="Nunito"/>
+              <a:cs typeface="Nunito"/>
+              <a:sym typeface="Nunito"/>
+            </a:endParaRPr>
+          </a:p>
+          <a:p>
+            <a:pPr indent="0" lvl="0" marL="0" rtl="0" algn="l">
+              <a:lnSpc>
+                <a:spcPct val="115000"/>
+              </a:lnSpc>
+              <a:spcBef>
+                <a:spcPts val="0"/>
+              </a:spcBef>
+              <a:spcAft>
+                <a:spcPts val="0"/>
+              </a:spcAft>
+              <a:buNone/>
+            </a:pPr>
+            <a:r>
+              <a:rPr lang="en" sz="1550">
+                <a:highlight>
+                  <a:srgbClr val="FFFFFF"/>
+                </a:highlight>
+              </a:rPr>
+              <a:t>Use, get, google, response, request</a:t>
+            </a:r>
+            <a:endParaRPr sz="1550">
+              <a:highlight>
+                <a:srgbClr val="FFFFFF"/>
+              </a:highlight>
+            </a:endParaRPr>
+          </a:p>
+          <a:p>
+            <a:pPr indent="0" lvl="0" marL="0" rtl="0" algn="l">
+              <a:spcBef>
+                <a:spcPts val="0"/>
+              </a:spcBef>
+              <a:spcAft>
+                <a:spcPts val="0"/>
+              </a:spcAft>
+              <a:buNone/>
+            </a:pPr>
+            <a:r>
+              <a:t/>
+            </a:r>
+            <a:endParaRPr>
+              <a:latin typeface="Nunito"/>
+              <a:ea typeface="Nunito"/>
+              <a:cs typeface="Nunito"/>
+              <a:sym typeface="Nunito"/>
+            </a:endParaRPr>
+          </a:p>
+        </p:txBody>
+      </p:sp>
+      <p:sp>
+        <p:nvSpPr>
+          <p:cNvPr id="378" name="Google Shape;378;p22"/>
+          <p:cNvSpPr txBox="1"/>
+          <p:nvPr/>
+        </p:nvSpPr>
+        <p:spPr>
+          <a:xfrm>
+            <a:off x="4572000" y="2395450"/>
+            <a:ext cx="1493400" cy="431100"/>
+          </a:xfrm>
+          <a:prstGeom prst="rect">
+            <a:avLst/>
+          </a:prstGeom>
+          <a:noFill/>
+          <a:ln>
+            <a:noFill/>
+          </a:ln>
+        </p:spPr>
+        <p:txBody>
+          <a:bodyPr anchorCtr="0" anchor="t" bIns="91425" lIns="91425" spcFirstLastPara="1" rIns="91425" wrap="square" tIns="91425">
+            <a:spAutoFit/>
+          </a:bodyPr>
+          <a:lstStyle/>
+          <a:p>
+            <a:pPr indent="0" lvl="0" marL="0" rtl="0" algn="l">
+              <a:spcBef>
+                <a:spcPts val="0"/>
+              </a:spcBef>
+              <a:spcAft>
+                <a:spcPts val="0"/>
+              </a:spcAft>
+              <a:buNone/>
+            </a:pPr>
+            <a:r>
+              <a:rPr b="1" lang="en" sz="1600">
+                <a:latin typeface="Nunito"/>
+                <a:ea typeface="Nunito"/>
+                <a:cs typeface="Nunito"/>
+                <a:sym typeface="Nunito"/>
+              </a:rPr>
+              <a:t>Topic: Django</a:t>
+            </a:r>
+            <a:endParaRPr b="1" sz="1600">
+              <a:latin typeface="Nunito"/>
+              <a:ea typeface="Nunito"/>
+              <a:cs typeface="Nunito"/>
+              <a:sym typeface="Nunito"/>
+            </a:endParaRPr>
+          </a:p>
+        </p:txBody>
+      </p:sp>
+      <p:sp>
+        <p:nvSpPr>
+          <p:cNvPr id="379" name="Google Shape;379;p22"/>
+          <p:cNvSpPr txBox="1"/>
+          <p:nvPr/>
+        </p:nvSpPr>
+        <p:spPr>
+          <a:xfrm>
+            <a:off x="4572000" y="2884200"/>
+            <a:ext cx="2675400" cy="1144500"/>
+          </a:xfrm>
+          <a:prstGeom prst="rect">
+            <a:avLst/>
+          </a:prstGeom>
+          <a:noFill/>
+          <a:ln>
+            <a:noFill/>
+          </a:ln>
+        </p:spPr>
+        <p:txBody>
+          <a:bodyPr anchorCtr="0" anchor="t" bIns="91425" lIns="91425" spcFirstLastPara="1" rIns="91425" wrap="square" tIns="91425">
+            <a:spAutoFit/>
+          </a:bodyPr>
+          <a:lstStyle/>
+          <a:p>
+            <a:pPr indent="0" lvl="0" marL="0" rtl="0" algn="l">
+              <a:spcBef>
+                <a:spcPts val="0"/>
+              </a:spcBef>
+              <a:spcAft>
+                <a:spcPts val="0"/>
+              </a:spcAft>
+              <a:buNone/>
+            </a:pPr>
+            <a:r>
+              <a:rPr lang="en" sz="1500">
+                <a:latin typeface="Nunito"/>
+                <a:ea typeface="Nunito"/>
+                <a:cs typeface="Nunito"/>
+                <a:sym typeface="Nunito"/>
+              </a:rPr>
+              <a:t>Top 5 Similar Topics:</a:t>
+            </a:r>
+            <a:endParaRPr sz="1500">
+              <a:latin typeface="Nunito"/>
+              <a:ea typeface="Nunito"/>
+              <a:cs typeface="Nunito"/>
+              <a:sym typeface="Nunito"/>
+            </a:endParaRPr>
+          </a:p>
+          <a:p>
+            <a:pPr indent="0" lvl="0" marL="0" rtl="0" algn="l">
+              <a:lnSpc>
+                <a:spcPct val="115000"/>
+              </a:lnSpc>
+              <a:spcBef>
+                <a:spcPts val="0"/>
+              </a:spcBef>
+              <a:spcAft>
+                <a:spcPts val="0"/>
+              </a:spcAft>
+              <a:buNone/>
+            </a:pPr>
+            <a:r>
+              <a:rPr lang="en" sz="1450">
+                <a:highlight>
+                  <a:srgbClr val="FFFFFF"/>
+                </a:highlight>
+              </a:rPr>
+              <a:t>Database, py, app, project, server</a:t>
+            </a:r>
+            <a:endParaRPr sz="1450">
+              <a:highlight>
+                <a:srgbClr val="FFFFFF"/>
+              </a:highlight>
+            </a:endParaRPr>
+          </a:p>
+          <a:p>
+            <a:pPr indent="0" lvl="0" marL="0" rtl="0" algn="l">
+              <a:spcBef>
+                <a:spcPts val="0"/>
+              </a:spcBef>
+              <a:spcAft>
+                <a:spcPts val="0"/>
+              </a:spcAft>
+              <a:buNone/>
+            </a:pPr>
+            <a:r>
+              <a:t/>
+            </a:r>
+            <a:endParaRPr>
+              <a:latin typeface="Nunito"/>
+              <a:ea typeface="Nunito"/>
+              <a:cs typeface="Nunito"/>
+              <a:sym typeface="Nunito"/>
+            </a:endParaRPr>
+          </a:p>
+        </p:txBody>
+      </p:sp>
+    </p:spTree>
+  </p:cSld>
+  <p:clrMapOvr>
+    <a:masterClrMapping/>
+  </p:clrMapOvr>
+</p:sld>
+</file>
+
+<file path=ppt/slides/slide11.xml><?xml version="1.0" encoding="utf-8"?>
+<p:sld xmlns:a="http://schemas.openxmlformats.org/drawingml/2006/main" xmlns:r="http://schemas.openxmlformats.org/officeDocument/2006/relationships" xmlns:mc="http://schemas.openxmlformats.org/markup-compatibility/2006" xmlns:mv="urn:schemas-microsoft-com:mac:vml" xmlns:p="http://schemas.openxmlformats.org/presentationml/2006/main" xmlns:c="http://schemas.openxmlformats.org/drawingml/2006/chart" xmlns:dgm="http://schemas.openxmlformats.org/drawingml/2006/diagram" xmlns:o="urn:schemas-microsoft-com:office:office" xmlns:v="urn:schemas-microsoft-com:vml" xmlns:pvml="urn:schemas-microsoft-com:office:powerpoint" xmlns:com="http://schemas.openxmlformats.org/drawingml/2006/compatibility" xmlns:p14="http://schemas.microsoft.com/office/powerpoint/2010/main" xmlns:p15="http://schemas.microsoft.com/office/powerpoint/2012/main" xmlns:ahyp="http://schemas.microsoft.com/office/drawing/2018/hyperlinkcolor">
+  <p:cSld>
+    <p:spTree>
+      <p:nvGrpSpPr>
+        <p:cNvPr id="383" name="Shape 383"/>
+        <p:cNvGrpSpPr/>
+        <p:nvPr/>
+      </p:nvGrpSpPr>
+      <p:grpSpPr>
+        <a:xfrm>
+          <a:off x="0" y="0"/>
+          <a:ext cx="0" cy="0"/>
+          <a:chOff x="0" y="0"/>
+          <a:chExt cx="0" cy="0"/>
+        </a:xfrm>
+      </p:grpSpPr>
+      <p:sp>
+        <p:nvSpPr>
+          <p:cNvPr id="384" name="Google Shape;384;p23"/>
+          <p:cNvSpPr txBox="1"/>
+          <p:nvPr>
+            <p:ph type="title"/>
+          </p:nvPr>
+        </p:nvSpPr>
+        <p:spPr>
+          <a:xfrm>
+            <a:off x="1303800" y="598575"/>
+            <a:ext cx="7030500" cy="999300"/>
+          </a:xfrm>
+          <a:prstGeom prst="rect">
+            <a:avLst/>
+          </a:prstGeom>
+        </p:spPr>
+        <p:txBody>
+          <a:bodyPr anchorCtr="0" anchor="t" bIns="91425" lIns="91425" spcFirstLastPara="1" rIns="91425" wrap="square" tIns="91425">
+            <a:normAutofit/>
+          </a:bodyPr>
+          <a:lstStyle/>
+          <a:p>
+            <a:pPr indent="0" lvl="0" marL="0" rtl="0" algn="l">
+              <a:spcBef>
+                <a:spcPts val="0"/>
+              </a:spcBef>
+              <a:spcAft>
+                <a:spcPts val="0"/>
+              </a:spcAft>
+              <a:buNone/>
+            </a:pPr>
+            <a:r>
+              <a:rPr lang="en"/>
               <a:t>Future Work</a:t>
             </a:r>
             <a:endParaRPr/>
@@ -16474,7 +16996,7 @@
       </p:sp>
       <p:sp>
         <p:nvSpPr>
-          <p:cNvPr id="378" name="Google Shape;378;p22"/>
+          <p:cNvPr id="385" name="Google Shape;385;p23"/>
           <p:cNvSpPr txBox="1"/>
           <p:nvPr>
             <p:ph idx="1" type="body"/>
@@ -16570,12 +17092,12 @@
 </p:sld>
 </file>
 
-<file path=ppt/slides/slide11.xml><?xml version="1.0" encoding="utf-8"?>
+<file path=ppt/slides/slide12.xml><?xml version="1.0" encoding="utf-8"?>
 <p:sld xmlns:a="http://schemas.openxmlformats.org/drawingml/2006/main" xmlns:r="http://schemas.openxmlformats.org/officeDocument/2006/relationships" xmlns:mc="http://schemas.openxmlformats.org/markup-compatibility/2006" xmlns:mv="urn:schemas-microsoft-com:mac:vml" xmlns:p="http://schemas.openxmlformats.org/presentationml/2006/main" xmlns:c="http://schemas.openxmlformats.org/drawingml/2006/chart" xmlns:dgm="http://schemas.openxmlformats.org/drawingml/2006/diagram" xmlns:o="urn:schemas-microsoft-com:office:office" xmlns:v="urn:schemas-microsoft-com:vml" xmlns:pvml="urn:schemas-microsoft-com:office:powerpoint" xmlns:com="http://schemas.openxmlformats.org/drawingml/2006/compatibility" xmlns:p14="http://schemas.microsoft.com/office/powerpoint/2010/main" xmlns:p15="http://schemas.microsoft.com/office/powerpoint/2012/main" xmlns:ahyp="http://schemas.microsoft.com/office/drawing/2018/hyperlinkcolor">
   <p:cSld>
     <p:spTree>
       <p:nvGrpSpPr>
-        <p:cNvPr id="382" name="Shape 382"/>
+        <p:cNvPr id="389" name="Shape 389"/>
         <p:cNvGrpSpPr/>
         <p:nvPr/>
       </p:nvGrpSpPr>
@@ -16589,7 +17111,7 @@
       </p:grpSpPr>
       <p:sp>
         <p:nvSpPr>
-          <p:cNvPr id="383" name="Google Shape;383;p23"/>
+          <p:cNvPr id="390" name="Google Shape;390;p24"/>
           <p:cNvSpPr txBox="1"/>
           <p:nvPr>
             <p:ph type="title"/>
@@ -16629,7 +17151,7 @@
       </p:sp>
       <p:sp>
         <p:nvSpPr>
-          <p:cNvPr id="384" name="Google Shape;384;p23"/>
+          <p:cNvPr id="391" name="Google Shape;391;p24"/>
           <p:cNvSpPr txBox="1"/>
           <p:nvPr>
             <p:ph idx="1" type="body"/>
@@ -16646,7 +17168,7 @@
         </p:spPr>
         <p:txBody>
           <a:bodyPr anchorCtr="0" anchor="t" bIns="91425" lIns="91425" spcFirstLastPara="1" rIns="91425" wrap="square" tIns="91425">
-            <a:normAutofit/>
+            <a:normAutofit lnSpcReduction="10000"/>
           </a:bodyPr>
           <a:lstStyle/>
           <a:p>
@@ -16680,6 +17202,27 @@
             <a:r>
               <a:rPr lang="en" sz="1908"/>
               <a:t>Find the closest question/topic based on the tags and words </a:t>
+            </a:r>
+            <a:endParaRPr sz="1908"/>
+          </a:p>
+          <a:p>
+            <a:pPr indent="-349765" lvl="0" marL="457200" rtl="0" algn="l">
+              <a:spcBef>
+                <a:spcPts val="0"/>
+              </a:spcBef>
+              <a:spcAft>
+                <a:spcPts val="0"/>
+              </a:spcAft>
+              <a:buSzPts val="1908"/>
+              <a:buChar char="●"/>
+            </a:pPr>
+            <a:r>
+              <a:rPr lang="en" sz="1908"/>
+              <a:t>Based on these </a:t>
+            </a:r>
+            <a:r>
+              <a:rPr lang="en" sz="1908"/>
+              <a:t>clusters, may be able to assign closest topic or topics from the cluster to the user</a:t>
             </a:r>
             <a:endParaRPr sz="1908"/>
           </a:p>
@@ -16723,12 +17266,12 @@
 </p:sld>
 </file>
 
-<file path=ppt/slides/slide12.xml><?xml version="1.0" encoding="utf-8"?>
+<file path=ppt/slides/slide13.xml><?xml version="1.0" encoding="utf-8"?>
 <p:sld xmlns:a="http://schemas.openxmlformats.org/drawingml/2006/main" xmlns:r="http://schemas.openxmlformats.org/officeDocument/2006/relationships" xmlns:mc="http://schemas.openxmlformats.org/markup-compatibility/2006" xmlns:mv="urn:schemas-microsoft-com:mac:vml" xmlns:p="http://schemas.openxmlformats.org/presentationml/2006/main" xmlns:c="http://schemas.openxmlformats.org/drawingml/2006/chart" xmlns:dgm="http://schemas.openxmlformats.org/drawingml/2006/diagram" xmlns:o="urn:schemas-microsoft-com:office:office" xmlns:v="urn:schemas-microsoft-com:vml" xmlns:pvml="urn:schemas-microsoft-com:office:powerpoint" xmlns:com="http://schemas.openxmlformats.org/drawingml/2006/compatibility" xmlns:p14="http://schemas.microsoft.com/office/powerpoint/2010/main" xmlns:p15="http://schemas.microsoft.com/office/powerpoint/2012/main" xmlns:ahyp="http://schemas.microsoft.com/office/drawing/2018/hyperlinkcolor">
   <p:cSld>
     <p:spTree>
       <p:nvGrpSpPr>
-        <p:cNvPr id="388" name="Shape 388"/>
+        <p:cNvPr id="395" name="Shape 395"/>
         <p:cNvGrpSpPr/>
         <p:nvPr/>
       </p:nvGrpSpPr>
@@ -16742,7 +17285,7 @@
       </p:grpSpPr>
       <p:sp>
         <p:nvSpPr>
-          <p:cNvPr id="389" name="Google Shape;389;p24"/>
+          <p:cNvPr id="396" name="Google Shape;396;p25"/>
           <p:cNvSpPr txBox="1"/>
           <p:nvPr>
             <p:ph type="title"/>
@@ -16782,7 +17325,7 @@
       </p:sp>
       <p:sp>
         <p:nvSpPr>
-          <p:cNvPr id="390" name="Google Shape;390;p24"/>
+          <p:cNvPr id="397" name="Google Shape;397;p25"/>
           <p:cNvSpPr txBox="1"/>
           <p:nvPr>
             <p:ph idx="1" type="body"/>
@@ -16799,7 +17342,7 @@
         </p:spPr>
         <p:txBody>
           <a:bodyPr anchorCtr="0" anchor="t" bIns="91425" lIns="91425" spcFirstLastPara="1" rIns="91425" wrap="square" tIns="91425">
-            <a:normAutofit/>
+            <a:normAutofit lnSpcReduction="20000"/>
           </a:bodyPr>
           <a:lstStyle/>
           <a:p>
@@ -16918,6 +17461,57 @@
             <a:r>
               <a:rPr lang="en" sz="1900"/>
               <a:t>Comb through words and filter for specific words</a:t>
+            </a:r>
+            <a:endParaRPr sz="1900"/>
+          </a:p>
+          <a:p>
+            <a:pPr indent="-349250" lvl="0" marL="457200" rtl="0" algn="l">
+              <a:spcBef>
+                <a:spcPts val="0"/>
+              </a:spcBef>
+              <a:spcAft>
+                <a:spcPts val="0"/>
+              </a:spcAft>
+              <a:buSzPts val="1900"/>
+              <a:buChar char="●"/>
+            </a:pPr>
+            <a:r>
+              <a:rPr lang="en" sz="1900"/>
+              <a:t>Clsutering Algorithms:</a:t>
+            </a:r>
+            <a:endParaRPr sz="1900"/>
+          </a:p>
+          <a:p>
+            <a:pPr indent="-349250" lvl="1" marL="914400" rtl="0" algn="l">
+              <a:spcBef>
+                <a:spcPts val="0"/>
+              </a:spcBef>
+              <a:spcAft>
+                <a:spcPts val="0"/>
+              </a:spcAft>
+              <a:buSzPts val="1900"/>
+              <a:buChar char="○"/>
+            </a:pPr>
+            <a:r>
+              <a:rPr lang="en" sz="1900"/>
+              <a:t>K-means</a:t>
+            </a:r>
+            <a:endParaRPr sz="1900"/>
+          </a:p>
+          <a:p>
+            <a:pPr indent="-349250" lvl="1" marL="914400" rtl="0" algn="l">
+              <a:spcBef>
+                <a:spcPts val="0"/>
+              </a:spcBef>
+              <a:spcAft>
+                <a:spcPts val="0"/>
+              </a:spcAft>
+              <a:buSzPts val="1900"/>
+              <a:buChar char="○"/>
+            </a:pPr>
+            <a:r>
+              <a:rPr lang="en" sz="1900"/>
+              <a:t>DBSCAN</a:t>
             </a:r>
             <a:endParaRPr sz="1900"/>
           </a:p>
@@ -16946,12 +17540,12 @@
 </p:sld>
 </file>
 
-<file path=ppt/slides/slide13.xml><?xml version="1.0" encoding="utf-8"?>
+<file path=ppt/slides/slide14.xml><?xml version="1.0" encoding="utf-8"?>
 <p:sld xmlns:a="http://schemas.openxmlformats.org/drawingml/2006/main" xmlns:r="http://schemas.openxmlformats.org/officeDocument/2006/relationships" xmlns:mc="http://schemas.openxmlformats.org/markup-compatibility/2006" xmlns:mv="urn:schemas-microsoft-com:mac:vml" xmlns:p="http://schemas.openxmlformats.org/presentationml/2006/main" xmlns:c="http://schemas.openxmlformats.org/drawingml/2006/chart" xmlns:dgm="http://schemas.openxmlformats.org/drawingml/2006/diagram" xmlns:o="urn:schemas-microsoft-com:office:office" xmlns:v="urn:schemas-microsoft-com:vml" xmlns:pvml="urn:schemas-microsoft-com:office:powerpoint" xmlns:com="http://schemas.openxmlformats.org/drawingml/2006/compatibility" xmlns:p14="http://schemas.microsoft.com/office/powerpoint/2010/main" xmlns:p15="http://schemas.microsoft.com/office/powerpoint/2012/main" xmlns:ahyp="http://schemas.microsoft.com/office/drawing/2018/hyperlinkcolor">
   <p:cSld>
     <p:spTree>
       <p:nvGrpSpPr>
-        <p:cNvPr id="394" name="Shape 394"/>
+        <p:cNvPr id="401" name="Shape 401"/>
         <p:cNvGrpSpPr/>
         <p:nvPr/>
       </p:nvGrpSpPr>
@@ -16965,7 +17559,7 @@
       </p:grpSpPr>
       <p:sp>
         <p:nvSpPr>
-          <p:cNvPr id="395" name="Google Shape;395;p25"/>
+          <p:cNvPr id="402" name="Google Shape;402;p26"/>
           <p:cNvSpPr txBox="1"/>
           <p:nvPr>
             <p:ph type="title"/>
@@ -21269,8 +21863,8 @@
         </p:nvSpPr>
         <p:spPr>
           <a:xfrm>
-            <a:off x="416700" y="243475"/>
-            <a:ext cx="7917600" cy="710100"/>
+            <a:off x="1303800" y="598575"/>
+            <a:ext cx="7030500" cy="999300"/>
           </a:xfrm>
           <a:prstGeom prst="rect">
             <a:avLst/>
@@ -21293,7 +21887,7 @@
             </a:pPr>
             <a:r>
               <a:rPr lang="en"/>
-              <a:t>T-SNE of the Doc-Term Matrix &amp; DBSCAN</a:t>
+              <a:t>KMeans</a:t>
             </a:r>
             <a:endParaRPr/>
           </a:p>
@@ -21344,17 +21938,18 @@
           <p:cNvPicPr preferRelativeResize="0"/>
           <p:nvPr/>
         </p:nvPicPr>
-        <p:blipFill rotWithShape="1">
+        <p:blipFill>
           <a:blip r:embed="rId3">
             <a:alphaModFix/>
           </a:blip>
-          <a:srcRect b="0" l="0" r="0" t="5713"/>
-          <a:stretch/>
+          <a:stretch>
+            <a:fillRect/>
+          </a:stretch>
         </p:blipFill>
         <p:spPr>
           <a:xfrm>
-            <a:off x="1119050" y="1441425"/>
-            <a:ext cx="3890299" cy="3250526"/>
+            <a:off x="60000" y="1466675"/>
+            <a:ext cx="4512002" cy="3154026"/>
           </a:xfrm>
           <a:prstGeom prst="rect">
             <a:avLst/>
@@ -21381,8 +21976,8 @@
         </p:blipFill>
         <p:spPr>
           <a:xfrm>
-            <a:off x="5074578" y="1721425"/>
-            <a:ext cx="3828801" cy="2654700"/>
+            <a:off x="4458204" y="1414563"/>
+            <a:ext cx="4589225" cy="3258251"/>
           </a:xfrm>
           <a:prstGeom prst="rect">
             <a:avLst/>
@@ -21452,7 +22047,7 @@
             </a:pPr>
             <a:r>
               <a:rPr lang="en"/>
-              <a:t>Content Recommendation</a:t>
+              <a:t>Scores</a:t>
             </a:r>
             <a:endParaRPr/>
           </a:p>
@@ -21468,8 +22063,8 @@
         </p:nvSpPr>
         <p:spPr>
           <a:xfrm>
-            <a:off x="1303800" y="1388600"/>
-            <a:ext cx="7030500" cy="2541600"/>
+            <a:off x="1303800" y="2999500"/>
+            <a:ext cx="7030500" cy="1532100"/>
           </a:xfrm>
           <a:prstGeom prst="rect">
             <a:avLst/>
@@ -21481,340 +22076,170 @@
           </a:bodyPr>
           <a:lstStyle/>
           <a:p>
-            <a:pPr indent="0" lvl="0" marL="0" rtl="0" algn="l">
-              <a:spcBef>
-                <a:spcPts val="0"/>
-              </a:spcBef>
-              <a:spcAft>
-                <a:spcPts val="0"/>
-              </a:spcAft>
-              <a:buNone/>
+            <a:pPr indent="-311150" lvl="0" marL="457200" rtl="0" algn="l">
+              <a:spcBef>
+                <a:spcPts val="0"/>
+              </a:spcBef>
+              <a:spcAft>
+                <a:spcPts val="0"/>
+              </a:spcAft>
+              <a:buSzPts val="1300"/>
+              <a:buChar char="●"/>
             </a:pPr>
             <a:r>
               <a:rPr lang="en"/>
-              <a:t>Business can recommend other questions based on the content and question asked.</a:t>
+              <a:t>Homogeneity Score: 0 to 1, 1 stands for perfect </a:t>
+            </a:r>
+            <a:r>
+              <a:rPr lang="en"/>
+              <a:t>homogeneous</a:t>
+            </a:r>
+            <a:r>
+              <a:rPr lang="en"/>
+              <a:t> labeling</a:t>
             </a:r>
             <a:endParaRPr/>
           </a:p>
           <a:p>
-            <a:pPr indent="0" lvl="0" marL="0" rtl="0" algn="l">
-              <a:spcBef>
-                <a:spcPts val="1200"/>
-              </a:spcBef>
-              <a:spcAft>
-                <a:spcPts val="1200"/>
-              </a:spcAft>
-              <a:buNone/>
+            <a:pPr indent="-311150" lvl="0" marL="457200" rtl="0" algn="l">
+              <a:spcBef>
+                <a:spcPts val="0"/>
+              </a:spcBef>
+              <a:spcAft>
+                <a:spcPts val="0"/>
+              </a:spcAft>
+              <a:buSzPts val="1300"/>
+              <a:buChar char="●"/>
             </a:pPr>
             <a:r>
-              <a:t/>
+              <a:rPr lang="en"/>
+              <a:t>Silhouette Score: -1 to 1, -1 being the worst score, values near 0 indicate overlapping clusters</a:t>
             </a:r>
             <a:endParaRPr/>
           </a:p>
         </p:txBody>
       </p:sp>
-      <p:sp>
-        <p:nvSpPr>
+      <p:graphicFrame>
+        <p:nvGraphicFramePr>
           <p:cNvPr id="369" name="Google Shape;369;p21"/>
-          <p:cNvSpPr txBox="1"/>
+          <p:cNvGraphicFramePr/>
           <p:nvPr/>
-        </p:nvSpPr>
-        <p:spPr>
-          <a:xfrm>
-            <a:off x="1368825" y="2395450"/>
-            <a:ext cx="1493400" cy="431100"/>
-          </a:xfrm>
-          <a:prstGeom prst="rect">
-            <a:avLst/>
-          </a:prstGeom>
-          <a:noFill/>
-          <a:ln>
-            <a:noFill/>
-          </a:ln>
-        </p:spPr>
-        <p:txBody>
-          <a:bodyPr anchorCtr="0" anchor="t" bIns="91425" lIns="91425" spcFirstLastPara="1" rIns="91425" wrap="square" tIns="91425">
-            <a:spAutoFit/>
-          </a:bodyPr>
-          <a:lstStyle/>
-          <a:p>
-            <a:pPr indent="0" lvl="0" marL="0" rtl="0" algn="l">
-              <a:spcBef>
-                <a:spcPts val="0"/>
-              </a:spcBef>
-              <a:spcAft>
-                <a:spcPts val="0"/>
-              </a:spcAft>
-              <a:buNone/>
-            </a:pPr>
-            <a:r>
-              <a:rPr b="1" lang="en" sz="1600">
-                <a:latin typeface="Nunito"/>
-                <a:ea typeface="Nunito"/>
-                <a:cs typeface="Nunito"/>
-                <a:sym typeface="Nunito"/>
-              </a:rPr>
-              <a:t>Topic: API</a:t>
-            </a:r>
-            <a:endParaRPr b="1" sz="1600">
-              <a:latin typeface="Nunito"/>
-              <a:ea typeface="Nunito"/>
-              <a:cs typeface="Nunito"/>
-              <a:sym typeface="Nunito"/>
-            </a:endParaRPr>
-          </a:p>
-        </p:txBody>
-      </p:sp>
-      <p:sp>
-        <p:nvSpPr>
-          <p:cNvPr id="370" name="Google Shape;370;p21"/>
-          <p:cNvSpPr txBox="1"/>
-          <p:nvPr/>
-        </p:nvSpPr>
-        <p:spPr>
-          <a:xfrm>
-            <a:off x="1368825" y="2795650"/>
-            <a:ext cx="2675400" cy="1179900"/>
-          </a:xfrm>
-          <a:prstGeom prst="rect">
-            <a:avLst/>
-          </a:prstGeom>
-          <a:noFill/>
-          <a:ln>
-            <a:noFill/>
-          </a:ln>
-        </p:spPr>
-        <p:txBody>
-          <a:bodyPr anchorCtr="0" anchor="t" bIns="91425" lIns="91425" spcFirstLastPara="1" rIns="91425" wrap="square" tIns="91425">
-            <a:spAutoFit/>
-          </a:bodyPr>
-          <a:lstStyle/>
-          <a:p>
-            <a:pPr indent="0" lvl="0" marL="0" rtl="0" algn="l">
-              <a:spcBef>
-                <a:spcPts val="0"/>
-              </a:spcBef>
-              <a:spcAft>
-                <a:spcPts val="0"/>
-              </a:spcAft>
-              <a:buNone/>
-            </a:pPr>
-            <a:r>
-              <a:rPr lang="en" sz="1500">
-                <a:latin typeface="Nunito"/>
-                <a:ea typeface="Nunito"/>
-                <a:cs typeface="Nunito"/>
-                <a:sym typeface="Nunito"/>
-              </a:rPr>
-              <a:t>Top 5 Similar Topics:</a:t>
-            </a:r>
-            <a:endParaRPr sz="1500">
-              <a:latin typeface="Nunito"/>
-              <a:ea typeface="Nunito"/>
-              <a:cs typeface="Nunito"/>
-              <a:sym typeface="Nunito"/>
-            </a:endParaRPr>
-          </a:p>
-          <a:p>
-            <a:pPr indent="0" lvl="0" marL="0" rtl="0" algn="l">
-              <a:lnSpc>
-                <a:spcPct val="115000"/>
-              </a:lnSpc>
-              <a:spcBef>
-                <a:spcPts val="0"/>
-              </a:spcBef>
-              <a:spcAft>
-                <a:spcPts val="0"/>
-              </a:spcAft>
-              <a:buNone/>
-            </a:pPr>
-            <a:r>
-              <a:rPr lang="en" sz="1550">
-                <a:highlight>
-                  <a:srgbClr val="FFFFFF"/>
-                </a:highlight>
-              </a:rPr>
-              <a:t>Use, get, google, response, request</a:t>
-            </a:r>
-            <a:endParaRPr sz="1550">
-              <a:highlight>
-                <a:srgbClr val="FFFFFF"/>
-              </a:highlight>
-            </a:endParaRPr>
-          </a:p>
-          <a:p>
-            <a:pPr indent="0" lvl="0" marL="0" rtl="0" algn="l">
-              <a:spcBef>
-                <a:spcPts val="0"/>
-              </a:spcBef>
-              <a:spcAft>
-                <a:spcPts val="0"/>
-              </a:spcAft>
-              <a:buNone/>
-            </a:pPr>
-            <a:r>
-              <a:t/>
-            </a:r>
-            <a:endParaRPr>
-              <a:latin typeface="Nunito"/>
-              <a:ea typeface="Nunito"/>
-              <a:cs typeface="Nunito"/>
-              <a:sym typeface="Nunito"/>
-            </a:endParaRPr>
-          </a:p>
-        </p:txBody>
-      </p:sp>
-      <p:sp>
-        <p:nvSpPr>
-          <p:cNvPr id="371" name="Google Shape;371;p21"/>
-          <p:cNvSpPr txBox="1"/>
-          <p:nvPr/>
-        </p:nvSpPr>
-        <p:spPr>
-          <a:xfrm>
-            <a:off x="4572000" y="2395450"/>
-            <a:ext cx="1493400" cy="431100"/>
-          </a:xfrm>
-          <a:prstGeom prst="rect">
-            <a:avLst/>
-          </a:prstGeom>
-          <a:noFill/>
-          <a:ln>
-            <a:noFill/>
-          </a:ln>
-        </p:spPr>
-        <p:txBody>
-          <a:bodyPr anchorCtr="0" anchor="t" bIns="91425" lIns="91425" spcFirstLastPara="1" rIns="91425" wrap="square" tIns="91425">
-            <a:spAutoFit/>
-          </a:bodyPr>
-          <a:lstStyle/>
-          <a:p>
-            <a:pPr indent="0" lvl="0" marL="0" rtl="0" algn="l">
-              <a:spcBef>
-                <a:spcPts val="0"/>
-              </a:spcBef>
-              <a:spcAft>
-                <a:spcPts val="0"/>
-              </a:spcAft>
-              <a:buNone/>
-            </a:pPr>
-            <a:r>
-              <a:rPr b="1" lang="en" sz="1600">
-                <a:latin typeface="Nunito"/>
-                <a:ea typeface="Nunito"/>
-                <a:cs typeface="Nunito"/>
-                <a:sym typeface="Nunito"/>
-              </a:rPr>
-              <a:t>Topic: Django</a:t>
-            </a:r>
-            <a:endParaRPr b="1" sz="1600">
-              <a:latin typeface="Nunito"/>
-              <a:ea typeface="Nunito"/>
-              <a:cs typeface="Nunito"/>
-              <a:sym typeface="Nunito"/>
-            </a:endParaRPr>
-          </a:p>
-        </p:txBody>
-      </p:sp>
-      <p:sp>
-        <p:nvSpPr>
-          <p:cNvPr id="372" name="Google Shape;372;p21"/>
-          <p:cNvSpPr txBox="1"/>
-          <p:nvPr/>
-        </p:nvSpPr>
-        <p:spPr>
-          <a:xfrm>
-            <a:off x="4572000" y="2884200"/>
-            <a:ext cx="2675400" cy="1144500"/>
-          </a:xfrm>
-          <a:prstGeom prst="rect">
-            <a:avLst/>
-          </a:prstGeom>
-          <a:noFill/>
-          <a:ln>
-            <a:noFill/>
-          </a:ln>
-        </p:spPr>
-        <p:txBody>
-          <a:bodyPr anchorCtr="0" anchor="t" bIns="91425" lIns="91425" spcFirstLastPara="1" rIns="91425" wrap="square" tIns="91425">
-            <a:spAutoFit/>
-          </a:bodyPr>
-          <a:lstStyle/>
-          <a:p>
-            <a:pPr indent="0" lvl="0" marL="0" rtl="0" algn="l">
-              <a:spcBef>
-                <a:spcPts val="0"/>
-              </a:spcBef>
-              <a:spcAft>
-                <a:spcPts val="0"/>
-              </a:spcAft>
-              <a:buNone/>
-            </a:pPr>
-            <a:r>
-              <a:rPr lang="en" sz="1500">
-                <a:latin typeface="Nunito"/>
-                <a:ea typeface="Nunito"/>
-                <a:cs typeface="Nunito"/>
-                <a:sym typeface="Nunito"/>
-              </a:rPr>
-              <a:t>Top 5 Similar Topics:</a:t>
-            </a:r>
-            <a:endParaRPr sz="1500">
-              <a:latin typeface="Nunito"/>
-              <a:ea typeface="Nunito"/>
-              <a:cs typeface="Nunito"/>
-              <a:sym typeface="Nunito"/>
-            </a:endParaRPr>
-          </a:p>
-          <a:p>
-            <a:pPr indent="0" lvl="0" marL="0" rtl="0" algn="l">
-              <a:lnSpc>
-                <a:spcPct val="115000"/>
-              </a:lnSpc>
-              <a:spcBef>
-                <a:spcPts val="0"/>
-              </a:spcBef>
-              <a:spcAft>
-                <a:spcPts val="0"/>
-              </a:spcAft>
-              <a:buNone/>
-            </a:pPr>
-            <a:r>
-              <a:rPr lang="en" sz="1450">
-                <a:highlight>
-                  <a:srgbClr val="FFFFFF"/>
-                </a:highlight>
-              </a:rPr>
-              <a:t>Database, py, app, project, server</a:t>
-            </a:r>
-            <a:endParaRPr sz="1450">
-              <a:highlight>
-                <a:srgbClr val="FFFFFF"/>
-              </a:highlight>
-            </a:endParaRPr>
-          </a:p>
-          <a:p>
-            <a:pPr indent="0" lvl="0" marL="0" rtl="0" algn="l">
-              <a:spcBef>
-                <a:spcPts val="0"/>
-              </a:spcBef>
-              <a:spcAft>
-                <a:spcPts val="0"/>
-              </a:spcAft>
-              <a:buNone/>
-            </a:pPr>
-            <a:r>
-              <a:t/>
-            </a:r>
-            <a:endParaRPr>
-              <a:latin typeface="Nunito"/>
-              <a:ea typeface="Nunito"/>
-              <a:cs typeface="Nunito"/>
-              <a:sym typeface="Nunito"/>
-            </a:endParaRPr>
-          </a:p>
-        </p:txBody>
-      </p:sp>
+        </p:nvGraphicFramePr>
+        <p:xfrm>
+          <a:off x="1303800" y="1990038"/>
+          <a:ext cx="3000000" cy="3000000"/>
+        </p:xfrm>
+        <a:graphic>
+          <a:graphicData uri="http://schemas.openxmlformats.org/drawingml/2006/table">
+            <a:tbl>
+              <a:tblPr>
+                <a:noFill/>
+                <a:tableStyleId>{CB9E2223-4BB2-4B92-99D8-4CA5D6E2C58D}</a:tableStyleId>
+              </a:tblPr>
+              <a:tblGrid>
+                <a:gridCol w="3619500"/>
+                <a:gridCol w="3619500"/>
+              </a:tblGrid>
+              <a:tr h="381000">
+                <a:tc>
+                  <a:txBody>
+                    <a:bodyPr/>
+                    <a:lstStyle/>
+                    <a:p>
+                      <a:pPr indent="0" lvl="0" marL="0" rtl="0" algn="l">
+                        <a:spcBef>
+                          <a:spcPts val="0"/>
+                        </a:spcBef>
+                        <a:spcAft>
+                          <a:spcPts val="0"/>
+                        </a:spcAft>
+                        <a:buNone/>
+                      </a:pPr>
+                      <a:r>
+                        <a:rPr lang="en"/>
+                        <a:t>Homogeneity Score</a:t>
+                      </a:r>
+                      <a:endParaRPr/>
+                    </a:p>
+                  </a:txBody>
+                  <a:tcPr marT="91425" marB="91425" marR="91425" marL="91425"/>
+                </a:tc>
+                <a:tc>
+                  <a:txBody>
+                    <a:bodyPr/>
+                    <a:lstStyle/>
+                    <a:p>
+                      <a:pPr indent="0" lvl="0" marL="0" rtl="0" algn="l">
+                        <a:spcBef>
+                          <a:spcPts val="0"/>
+                        </a:spcBef>
+                        <a:spcAft>
+                          <a:spcPts val="0"/>
+                        </a:spcAft>
+                        <a:buNone/>
+                      </a:pPr>
+                      <a:r>
+                        <a:rPr lang="en"/>
+                        <a:t>Silhouette Score</a:t>
+                      </a:r>
+                      <a:endParaRPr/>
+                    </a:p>
+                  </a:txBody>
+                  <a:tcPr marT="91425" marB="91425" marR="91425" marL="91425"/>
+                </a:tc>
+              </a:tr>
+              <a:tr h="381000">
+                <a:tc>
+                  <a:txBody>
+                    <a:bodyPr/>
+                    <a:lstStyle/>
+                    <a:p>
+                      <a:pPr indent="0" lvl="0" marL="0" rtl="0" algn="l">
+                        <a:spcBef>
+                          <a:spcPts val="0"/>
+                        </a:spcBef>
+                        <a:spcAft>
+                          <a:spcPts val="0"/>
+                        </a:spcAft>
+                        <a:buNone/>
+                      </a:pPr>
+                      <a:r>
+                        <a:rPr lang="en"/>
+                        <a:t>1.0 (didn’t make sense)</a:t>
+                      </a:r>
+                      <a:endParaRPr/>
+                    </a:p>
+                  </a:txBody>
+                  <a:tcPr marT="91425" marB="91425" marR="91425" marL="91425"/>
+                </a:tc>
+                <a:tc>
+                  <a:txBody>
+                    <a:bodyPr/>
+                    <a:lstStyle/>
+                    <a:p>
+                      <a:pPr indent="0" lvl="0" marL="0" rtl="0" algn="l">
+                        <a:spcBef>
+                          <a:spcPts val="0"/>
+                        </a:spcBef>
+                        <a:spcAft>
+                          <a:spcPts val="0"/>
+                        </a:spcAft>
+                        <a:buNone/>
+                      </a:pPr>
+                      <a:r>
+                        <a:rPr lang="en"/>
+                        <a:t>0.0271</a:t>
+                      </a:r>
+                      <a:endParaRPr/>
+                    </a:p>
+                  </a:txBody>
+                  <a:tcPr marT="91425" marB="91425" marR="91425" marL="91425"/>
+                </a:tc>
+              </a:tr>
+            </a:tbl>
+          </a:graphicData>
+        </a:graphic>
+      </p:graphicFrame>
     </p:spTree>
   </p:cSld>
   <p:clrMapOvr>
@@ -21824,6 +22249,285 @@
 </file>
 
 <file path=ppt/theme/theme1.xml><?xml version="1.0" encoding="utf-8"?>
+<a:theme xmlns:a="http://schemas.openxmlformats.org/drawingml/2006/main" xmlns:r="http://schemas.openxmlformats.org/officeDocument/2006/relationships">
+  <a:themeElements>
+    <a:clrScheme name="Default">
+      <a:dk1>
+        <a:srgbClr val="000000"/>
+      </a:dk1>
+      <a:lt1>
+        <a:srgbClr val="FFFFFF"/>
+      </a:lt1>
+      <a:dk2>
+        <a:srgbClr val="158158"/>
+      </a:dk2>
+      <a:lt2>
+        <a:srgbClr val="F3F3F3"/>
+      </a:lt2>
+      <a:accent1>
+        <a:srgbClr val="058DC7"/>
+      </a:accent1>
+      <a:accent2>
+        <a:srgbClr val="50B432"/>
+      </a:accent2>
+      <a:accent3>
+        <a:srgbClr val="ED561B"/>
+      </a:accent3>
+      <a:accent4>
+        <a:srgbClr val="EDEF00"/>
+      </a:accent4>
+      <a:accent5>
+        <a:srgbClr val="24CBE5"/>
+      </a:accent5>
+      <a:accent6>
+        <a:srgbClr val="64E572"/>
+      </a:accent6>
+      <a:hlink>
+        <a:srgbClr val="2200CC"/>
+      </a:hlink>
+      <a:folHlink>
+        <a:srgbClr val="551A8B"/>
+      </a:folHlink>
+    </a:clrScheme>
+    <a:fontScheme name="Office">
+      <a:majorFont>
+        <a:latin typeface="Arial"/>
+        <a:ea typeface=""/>
+        <a:cs typeface=""/>
+        <a:font script="Jpan" typeface="ＭＳ Ｐゴシック"/>
+        <a:font script="Hang" typeface="맑은 고딕"/>
+        <a:font script="Hans" typeface="宋体"/>
+        <a:font script="Hant" typeface="新細明體"/>
+        <a:font script="Arab" typeface="Times New Roman"/>
+        <a:font script="Hebr" typeface="Times New Roman"/>
+        <a:font script="Thai" typeface="Angsana New"/>
+        <a:font script="Ethi" typeface="Nyala"/>
+        <a:font script="Beng" typeface="Vrinda"/>
+        <a:font script="Gujr" typeface="Shruti"/>
+        <a:font script="Khmr" typeface="MoolBoran"/>
+        <a:font script="Knda" typeface="Tunga"/>
+        <a:font script="Guru" typeface="Raavi"/>
+        <a:font script="Cans" typeface="Euphemia"/>
+        <a:font script="Cher" typeface="Plantagenet Cherokee"/>
+        <a:font script="Yiii" typeface="Microsoft Yi Baiti"/>
+        <a:font script="Tibt" typeface="Microsoft Himalaya"/>
+        <a:font script="Thaa" typeface="MV Boli"/>
+        <a:font script="Deva" typeface="Mangal"/>
+        <a:font script="Telu" typeface="Gautami"/>
+        <a:font script="Taml" typeface="Latha"/>
+        <a:font script="Syrc" typeface="Estrangelo Edessa"/>
+        <a:font script="Orya" typeface="Kalinga"/>
+        <a:font script="Mlym" typeface="Kartika"/>
+        <a:font script="Laoo" typeface="DokChampa"/>
+        <a:font script="Sinh" typeface="Iskoola Pota"/>
+        <a:font script="Mong" typeface="Mongolian Baiti"/>
+        <a:font script="Viet" typeface="Times New Roman"/>
+        <a:font script="Uigh" typeface="Microsoft Uighur"/>
+        <a:font script="Geor" typeface="Sylfaen"/>
+      </a:majorFont>
+      <a:minorFont>
+        <a:latin typeface="Arial"/>
+        <a:ea typeface=""/>
+        <a:cs typeface=""/>
+        <a:font script="Jpan" typeface="ＭＳ Ｐゴシック"/>
+        <a:font script="Hang" typeface="맑은 고딕"/>
+        <a:font script="Hans" typeface="宋体"/>
+        <a:font script="Hant" typeface="新細明體"/>
+        <a:font script="Arab" typeface="Arial"/>
+        <a:font script="Hebr" typeface="Arial"/>
+        <a:font script="Thai" typeface="Cordia New"/>
+        <a:font script="Ethi" typeface="Nyala"/>
+        <a:font script="Beng" typeface="Vrinda"/>
+        <a:font script="Gujr" typeface="Shruti"/>
+        <a:font script="Khmr" typeface="DaunPenh"/>
+        <a:font script="Knda" typeface="Tunga"/>
+        <a:font script="Guru" typeface="Raavi"/>
+        <a:font script="Cans" typeface="Euphemia"/>
+        <a:font script="Cher" typeface="Plantagenet Cherokee"/>
+        <a:font script="Yiii" typeface="Microsoft Yi Baiti"/>
+        <a:font script="Tibt" typeface="Microsoft Himalaya"/>
+        <a:font script="Thaa" typeface="MV Boli"/>
+        <a:font script="Deva" typeface="Mangal"/>
+        <a:font script="Telu" typeface="Gautami"/>
+        <a:font script="Taml" typeface="Latha"/>
+        <a:font script="Syrc" typeface="Estrangelo Edessa"/>
+        <a:font script="Orya" typeface="Kalinga"/>
+        <a:font script="Mlym" typeface="Kartika"/>
+        <a:font script="Laoo" typeface="DokChampa"/>
+        <a:font script="Sinh" typeface="Iskoola Pota"/>
+        <a:font script="Mong" typeface="Mongolian Baiti"/>
+        <a:font script="Viet" typeface="Arial"/>
+        <a:font script="Uigh" typeface="Microsoft Uighur"/>
+        <a:font script="Geor" typeface="Sylfaen"/>
+      </a:minorFont>
+    </a:fontScheme>
+    <a:fmtScheme name="Office">
+      <a:fillStyleLst>
+        <a:solidFill>
+          <a:schemeClr val="phClr"/>
+        </a:solidFill>
+        <a:gradFill rotWithShape="1">
+          <a:gsLst>
+            <a:gs pos="0">
+              <a:schemeClr val="phClr">
+                <a:tint val="50000"/>
+                <a:satMod val="300000"/>
+              </a:schemeClr>
+            </a:gs>
+            <a:gs pos="35000">
+              <a:schemeClr val="phClr">
+                <a:tint val="37000"/>
+                <a:satMod val="300000"/>
+              </a:schemeClr>
+            </a:gs>
+            <a:gs pos="100000">
+              <a:schemeClr val="phClr">
+                <a:tint val="15000"/>
+                <a:satMod val="350000"/>
+              </a:schemeClr>
+            </a:gs>
+          </a:gsLst>
+          <a:lin ang="16200000" scaled="1"/>
+        </a:gradFill>
+        <a:gradFill rotWithShape="1">
+          <a:gsLst>
+            <a:gs pos="0">
+              <a:schemeClr val="phClr">
+                <a:tint val="100000"/>
+                <a:shade val="100000"/>
+                <a:satMod val="130000"/>
+              </a:schemeClr>
+            </a:gs>
+            <a:gs pos="100000">
+              <a:schemeClr val="phClr">
+                <a:tint val="50000"/>
+                <a:shade val="100000"/>
+                <a:satMod val="350000"/>
+              </a:schemeClr>
+            </a:gs>
+          </a:gsLst>
+          <a:lin ang="16200000" scaled="0"/>
+        </a:gradFill>
+      </a:fillStyleLst>
+      <a:lnStyleLst>
+        <a:ln w="9525" cap="flat" cmpd="sng" algn="ctr">
+          <a:solidFill>
+            <a:schemeClr val="phClr">
+              <a:shade val="95000"/>
+              <a:satMod val="105000"/>
+            </a:schemeClr>
+          </a:solidFill>
+          <a:prstDash val="solid"/>
+        </a:ln>
+        <a:ln w="25400" cap="flat" cmpd="sng" algn="ctr">
+          <a:solidFill>
+            <a:schemeClr val="phClr"/>
+          </a:solidFill>
+          <a:prstDash val="solid"/>
+        </a:ln>
+        <a:ln w="38100" cap="flat" cmpd="sng" algn="ctr">
+          <a:solidFill>
+            <a:schemeClr val="phClr"/>
+          </a:solidFill>
+          <a:prstDash val="solid"/>
+        </a:ln>
+      </a:lnStyleLst>
+      <a:effectStyleLst>
+        <a:effectStyle>
+          <a:effectLst>
+            <a:outerShdw blurRad="40000" dist="20000" dir="5400000" rotWithShape="0">
+              <a:srgbClr val="000000">
+                <a:alpha val="38000"/>
+              </a:srgbClr>
+            </a:outerShdw>
+          </a:effectLst>
+        </a:effectStyle>
+        <a:effectStyle>
+          <a:effectLst>
+            <a:outerShdw blurRad="40000" dist="23000" dir="5400000" rotWithShape="0">
+              <a:srgbClr val="000000">
+                <a:alpha val="35000"/>
+              </a:srgbClr>
+            </a:outerShdw>
+          </a:effectLst>
+        </a:effectStyle>
+        <a:effectStyle>
+          <a:effectLst>
+            <a:outerShdw blurRad="40000" dist="23000" dir="5400000" rotWithShape="0">
+              <a:srgbClr val="000000">
+                <a:alpha val="35000"/>
+              </a:srgbClr>
+            </a:outerShdw>
+          </a:effectLst>
+          <a:scene3d>
+            <a:camera prst="orthographicFront">
+              <a:rot lat="0" lon="0" rev="0"/>
+            </a:camera>
+            <a:lightRig rig="threePt" dir="t">
+              <a:rot lat="0" lon="0" rev="1200000"/>
+            </a:lightRig>
+          </a:scene3d>
+          <a:sp3d>
+            <a:bevelT w="63500" h="25400"/>
+          </a:sp3d>
+        </a:effectStyle>
+      </a:effectStyleLst>
+      <a:bgFillStyleLst>
+        <a:solidFill>
+          <a:schemeClr val="phClr"/>
+        </a:solidFill>
+        <a:gradFill rotWithShape="1">
+          <a:gsLst>
+            <a:gs pos="0">
+              <a:schemeClr val="phClr">
+                <a:tint val="40000"/>
+                <a:satMod val="350000"/>
+              </a:schemeClr>
+            </a:gs>
+            <a:gs pos="40000">
+              <a:schemeClr val="phClr">
+                <a:tint val="45000"/>
+                <a:shade val="99000"/>
+                <a:satMod val="350000"/>
+              </a:schemeClr>
+            </a:gs>
+            <a:gs pos="100000">
+              <a:schemeClr val="phClr">
+                <a:shade val="20000"/>
+                <a:satMod val="255000"/>
+              </a:schemeClr>
+            </a:gs>
+          </a:gsLst>
+          <a:path path="circle">
+            <a:fillToRect l="50000" t="-80000" r="50000" b="180000"/>
+          </a:path>
+        </a:gradFill>
+        <a:gradFill rotWithShape="1">
+          <a:gsLst>
+            <a:gs pos="0">
+              <a:schemeClr val="phClr">
+                <a:tint val="80000"/>
+                <a:satMod val="300000"/>
+              </a:schemeClr>
+            </a:gs>
+            <a:gs pos="100000">
+              <a:schemeClr val="phClr">
+                <a:shade val="30000"/>
+                <a:satMod val="200000"/>
+              </a:schemeClr>
+            </a:gs>
+          </a:gsLst>
+          <a:path path="circle">
+            <a:fillToRect l="50000" t="50000" r="50000" b="50000"/>
+          </a:path>
+        </a:gradFill>
+      </a:bgFillStyleLst>
+    </a:fmtScheme>
+  </a:themeElements>
+</a:theme>
+</file>
+
+<file path=ppt/theme/theme2.xml><?xml version="1.0" encoding="utf-8"?>
 <a:theme xmlns:a="http://schemas.openxmlformats.org/drawingml/2006/main" xmlns:r="http://schemas.openxmlformats.org/officeDocument/2006/relationships" name="Momentum">
   <a:themeElements>
     <a:clrScheme name="Momentum">
@@ -22100,283 +22804,4 @@
     </a:fmtScheme>
   </a:themeElements>
 </a:theme>
-</file>
-
-<file path=ppt/theme/theme2.xml><?xml version="1.0" encoding="utf-8"?>
-<a:theme xmlns:a="http://schemas.openxmlformats.org/drawingml/2006/main" xmlns:r="http://schemas.openxmlformats.org/officeDocument/2006/relationships">
-  <a:themeElements>
-    <a:clrScheme name="Default">
-      <a:dk1>
-        <a:srgbClr val="000000"/>
-      </a:dk1>
-      <a:lt1>
-        <a:srgbClr val="FFFFFF"/>
-      </a:lt1>
-      <a:dk2>
-        <a:srgbClr val="158158"/>
-      </a:dk2>
-      <a:lt2>
-        <a:srgbClr val="F3F3F3"/>
-      </a:lt2>
-      <a:accent1>
-        <a:srgbClr val="058DC7"/>
-      </a:accent1>
-      <a:accent2>
-        <a:srgbClr val="50B432"/>
-      </a:accent2>
-      <a:accent3>
-        <a:srgbClr val="ED561B"/>
-      </a:accent3>
-      <a:accent4>
-        <a:srgbClr val="EDEF00"/>
-      </a:accent4>
-      <a:accent5>
-        <a:srgbClr val="24CBE5"/>
-      </a:accent5>
-      <a:accent6>
-        <a:srgbClr val="64E572"/>
-      </a:accent6>
-      <a:hlink>
-        <a:srgbClr val="2200CC"/>
-      </a:hlink>
-      <a:folHlink>
-        <a:srgbClr val="551A8B"/>
-      </a:folHlink>
-    </a:clrScheme>
-    <a:fontScheme name="Office">
-      <a:majorFont>
-        <a:latin typeface="Arial"/>
-        <a:ea typeface=""/>
-        <a:cs typeface=""/>
-        <a:font script="Jpan" typeface="ＭＳ Ｐゴシック"/>
-        <a:font script="Hang" typeface="맑은 고딕"/>
-        <a:font script="Hans" typeface="宋体"/>
-        <a:font script="Hant" typeface="新細明體"/>
-        <a:font script="Arab" typeface="Times New Roman"/>
-        <a:font script="Hebr" typeface="Times New Roman"/>
-        <a:font script="Thai" typeface="Angsana New"/>
-        <a:font script="Ethi" typeface="Nyala"/>
-        <a:font script="Beng" typeface="Vrinda"/>
-        <a:font script="Gujr" typeface="Shruti"/>
-        <a:font script="Khmr" typeface="MoolBoran"/>
-        <a:font script="Knda" typeface="Tunga"/>
-        <a:font script="Guru" typeface="Raavi"/>
-        <a:font script="Cans" typeface="Euphemia"/>
-        <a:font script="Cher" typeface="Plantagenet Cherokee"/>
-        <a:font script="Yiii" typeface="Microsoft Yi Baiti"/>
-        <a:font script="Tibt" typeface="Microsoft Himalaya"/>
-        <a:font script="Thaa" typeface="MV Boli"/>
-        <a:font script="Deva" typeface="Mangal"/>
-        <a:font script="Telu" typeface="Gautami"/>
-        <a:font script="Taml" typeface="Latha"/>
-        <a:font script="Syrc" typeface="Estrangelo Edessa"/>
-        <a:font script="Orya" typeface="Kalinga"/>
-        <a:font script="Mlym" typeface="Kartika"/>
-        <a:font script="Laoo" typeface="DokChampa"/>
-        <a:font script="Sinh" typeface="Iskoola Pota"/>
-        <a:font script="Mong" typeface="Mongolian Baiti"/>
-        <a:font script="Viet" typeface="Times New Roman"/>
-        <a:font script="Uigh" typeface="Microsoft Uighur"/>
-        <a:font script="Geor" typeface="Sylfaen"/>
-      </a:majorFont>
-      <a:minorFont>
-        <a:latin typeface="Arial"/>
-        <a:ea typeface=""/>
-        <a:cs typeface=""/>
-        <a:font script="Jpan" typeface="ＭＳ Ｐゴシック"/>
-        <a:font script="Hang" typeface="맑은 고딕"/>
-        <a:font script="Hans" typeface="宋体"/>
-        <a:font script="Hant" typeface="新細明體"/>
-        <a:font script="Arab" typeface="Arial"/>
-        <a:font script="Hebr" typeface="Arial"/>
-        <a:font script="Thai" typeface="Cordia New"/>
-        <a:font script="Ethi" typeface="Nyala"/>
-        <a:font script="Beng" typeface="Vrinda"/>
-        <a:font script="Gujr" typeface="Shruti"/>
-        <a:font script="Khmr" typeface="DaunPenh"/>
-        <a:font script="Knda" typeface="Tunga"/>
-        <a:font script="Guru" typeface="Raavi"/>
-        <a:font script="Cans" typeface="Euphemia"/>
-        <a:font script="Cher" typeface="Plantagenet Cherokee"/>
-        <a:font script="Yiii" typeface="Microsoft Yi Baiti"/>
-        <a:font script="Tibt" typeface="Microsoft Himalaya"/>
-        <a:font script="Thaa" typeface="MV Boli"/>
-        <a:font script="Deva" typeface="Mangal"/>
-        <a:font script="Telu" typeface="Gautami"/>
-        <a:font script="Taml" typeface="Latha"/>
-        <a:font script="Syrc" typeface="Estrangelo Edessa"/>
-        <a:font script="Orya" typeface="Kalinga"/>
-        <a:font script="Mlym" typeface="Kartika"/>
-        <a:font script="Laoo" typeface="DokChampa"/>
-        <a:font script="Sinh" typeface="Iskoola Pota"/>
-        <a:font script="Mong" typeface="Mongolian Baiti"/>
-        <a:font script="Viet" typeface="Arial"/>
-        <a:font script="Uigh" typeface="Microsoft Uighur"/>
-        <a:font script="Geor" typeface="Sylfaen"/>
-      </a:minorFont>
-    </a:fontScheme>
-    <a:fmtScheme name="Office">
-      <a:fillStyleLst>
-        <a:solidFill>
-          <a:schemeClr val="phClr"/>
-        </a:solidFill>
-        <a:gradFill rotWithShape="1">
-          <a:gsLst>
-            <a:gs pos="0">
-              <a:schemeClr val="phClr">
-                <a:tint val="50000"/>
-                <a:satMod val="300000"/>
-              </a:schemeClr>
-            </a:gs>
-            <a:gs pos="35000">
-              <a:schemeClr val="phClr">
-                <a:tint val="37000"/>
-                <a:satMod val="300000"/>
-              </a:schemeClr>
-            </a:gs>
-            <a:gs pos="100000">
-              <a:schemeClr val="phClr">
-                <a:tint val="15000"/>
-                <a:satMod val="350000"/>
-              </a:schemeClr>
-            </a:gs>
-          </a:gsLst>
-          <a:lin ang="16200000" scaled="1"/>
-        </a:gradFill>
-        <a:gradFill rotWithShape="1">
-          <a:gsLst>
-            <a:gs pos="0">
-              <a:schemeClr val="phClr">
-                <a:tint val="100000"/>
-                <a:shade val="100000"/>
-                <a:satMod val="130000"/>
-              </a:schemeClr>
-            </a:gs>
-            <a:gs pos="100000">
-              <a:schemeClr val="phClr">
-                <a:tint val="50000"/>
-                <a:shade val="100000"/>
-                <a:satMod val="350000"/>
-              </a:schemeClr>
-            </a:gs>
-          </a:gsLst>
-          <a:lin ang="16200000" scaled="0"/>
-        </a:gradFill>
-      </a:fillStyleLst>
-      <a:lnStyleLst>
-        <a:ln w="9525" cap="flat" cmpd="sng" algn="ctr">
-          <a:solidFill>
-            <a:schemeClr val="phClr">
-              <a:shade val="95000"/>
-              <a:satMod val="105000"/>
-            </a:schemeClr>
-          </a:solidFill>
-          <a:prstDash val="solid"/>
-        </a:ln>
-        <a:ln w="25400" cap="flat" cmpd="sng" algn="ctr">
-          <a:solidFill>
-            <a:schemeClr val="phClr"/>
-          </a:solidFill>
-          <a:prstDash val="solid"/>
-        </a:ln>
-        <a:ln w="38100" cap="flat" cmpd="sng" algn="ctr">
-          <a:solidFill>
-            <a:schemeClr val="phClr"/>
-          </a:solidFill>
-          <a:prstDash val="solid"/>
-        </a:ln>
-      </a:lnStyleLst>
-      <a:effectStyleLst>
-        <a:effectStyle>
-          <a:effectLst>
-            <a:outerShdw blurRad="40000" dist="20000" dir="5400000" rotWithShape="0">
-              <a:srgbClr val="000000">
-                <a:alpha val="38000"/>
-              </a:srgbClr>
-            </a:outerShdw>
-          </a:effectLst>
-        </a:effectStyle>
-        <a:effectStyle>
-          <a:effectLst>
-            <a:outerShdw blurRad="40000" dist="23000" dir="5400000" rotWithShape="0">
-              <a:srgbClr val="000000">
-                <a:alpha val="35000"/>
-              </a:srgbClr>
-            </a:outerShdw>
-          </a:effectLst>
-        </a:effectStyle>
-        <a:effectStyle>
-          <a:effectLst>
-            <a:outerShdw blurRad="40000" dist="23000" dir="5400000" rotWithShape="0">
-              <a:srgbClr val="000000">
-                <a:alpha val="35000"/>
-              </a:srgbClr>
-            </a:outerShdw>
-          </a:effectLst>
-          <a:scene3d>
-            <a:camera prst="orthographicFront">
-              <a:rot lat="0" lon="0" rev="0"/>
-            </a:camera>
-            <a:lightRig rig="threePt" dir="t">
-              <a:rot lat="0" lon="0" rev="1200000"/>
-            </a:lightRig>
-          </a:scene3d>
-          <a:sp3d>
-            <a:bevelT w="63500" h="25400"/>
-          </a:sp3d>
-        </a:effectStyle>
-      </a:effectStyleLst>
-      <a:bgFillStyleLst>
-        <a:solidFill>
-          <a:schemeClr val="phClr"/>
-        </a:solidFill>
-        <a:gradFill rotWithShape="1">
-          <a:gsLst>
-            <a:gs pos="0">
-              <a:schemeClr val="phClr">
-                <a:tint val="40000"/>
-                <a:satMod val="350000"/>
-              </a:schemeClr>
-            </a:gs>
-            <a:gs pos="40000">
-              <a:schemeClr val="phClr">
-                <a:tint val="45000"/>
-                <a:shade val="99000"/>
-                <a:satMod val="350000"/>
-              </a:schemeClr>
-            </a:gs>
-            <a:gs pos="100000">
-              <a:schemeClr val="phClr">
-                <a:shade val="20000"/>
-                <a:satMod val="255000"/>
-              </a:schemeClr>
-            </a:gs>
-          </a:gsLst>
-          <a:path path="circle">
-            <a:fillToRect l="50000" t="-80000" r="50000" b="180000"/>
-          </a:path>
-        </a:gradFill>
-        <a:gradFill rotWithShape="1">
-          <a:gsLst>
-            <a:gs pos="0">
-              <a:schemeClr val="phClr">
-                <a:tint val="80000"/>
-                <a:satMod val="300000"/>
-              </a:schemeClr>
-            </a:gs>
-            <a:gs pos="100000">
-              <a:schemeClr val="phClr">
-                <a:shade val="30000"/>
-                <a:satMod val="200000"/>
-              </a:schemeClr>
-            </a:gs>
-          </a:gsLst>
-          <a:path path="circle">
-            <a:fillToRect l="50000" t="50000" r="50000" b="50000"/>
-          </a:path>
-        </a:gradFill>
-      </a:bgFillStyleLst>
-    </a:fmtScheme>
-  </a:themeElements>
-</a:theme>
 </file>
--- a/Stack Overflow Presentation PPTX.pptx
+++ b/Stack Overflow Presentation PPTX.pptx
@@ -22,21 +22,22 @@
     <p:sldId id="267" r:id="rId18"/>
     <p:sldId id="268" r:id="rId19"/>
     <p:sldId id="269" r:id="rId20"/>
+    <p:sldId id="270" r:id="rId21"/>
   </p:sldIdLst>
   <p:sldSz cy="5143500" cx="9144000"/>
   <p:notesSz cx="6858000" cy="9144000"/>
   <p:embeddedFontLst>
     <p:embeddedFont>
       <p:font typeface="Nunito"/>
-      <p:regular r:id="rId21"/>
-      <p:bold r:id="rId22"/>
-      <p:italic r:id="rId23"/>
-      <p:boldItalic r:id="rId24"/>
+      <p:regular r:id="rId22"/>
+      <p:bold r:id="rId23"/>
+      <p:italic r:id="rId24"/>
+      <p:boldItalic r:id="rId25"/>
     </p:embeddedFont>
     <p:embeddedFont>
       <p:font typeface="Maven Pro"/>
-      <p:regular r:id="rId25"/>
-      <p:bold r:id="rId26"/>
+      <p:regular r:id="rId26"/>
+      <p:bold r:id="rId27"/>
     </p:embeddedFont>
   </p:embeddedFontLst>
   <p:defaultTextStyle>
@@ -817,7 +818,7 @@
   <p:cSld>
     <p:spTree>
       <p:nvGrpSpPr>
-        <p:cNvPr id="370" name="Shape 370"/>
+        <p:cNvPr id="372" name="Shape 372"/>
         <p:cNvGrpSpPr/>
         <p:nvPr/>
       </p:nvGrpSpPr>
@@ -831,7 +832,7 @@
       </p:grpSpPr>
       <p:sp>
         <p:nvSpPr>
-          <p:cNvPr id="371" name="Google Shape;371;g124cae4761f_0_75:notes"/>
+          <p:cNvPr id="373" name="Google Shape;373;g1251f99c7e3_0_8:notes"/>
           <p:cNvSpPr/>
           <p:nvPr>
             <p:ph idx="2" type="sldImg"/>
@@ -866,7 +867,7 @@
       </p:sp>
       <p:sp>
         <p:nvSpPr>
-          <p:cNvPr id="372" name="Google Shape;372;g124cae4761f_0_75:notes"/>
+          <p:cNvPr id="374" name="Google Shape;374;g1251f99c7e3_0_8:notes"/>
           <p:cNvSpPr txBox="1"/>
           <p:nvPr>
             <p:ph idx="1" type="body"/>
@@ -916,7 +917,7 @@
   <p:cSld>
     <p:spTree>
       <p:nvGrpSpPr>
-        <p:cNvPr id="380" name="Shape 380"/>
+        <p:cNvPr id="379" name="Shape 379"/>
         <p:cNvGrpSpPr/>
         <p:nvPr/>
       </p:nvGrpSpPr>
@@ -930,7 +931,7 @@
       </p:grpSpPr>
       <p:sp>
         <p:nvSpPr>
-          <p:cNvPr id="381" name="Google Shape;381;g1076ef1a259_0_150:notes"/>
+          <p:cNvPr id="380" name="Google Shape;380;g124cae4761f_0_75:notes"/>
           <p:cNvSpPr/>
           <p:nvPr>
             <p:ph idx="2" type="sldImg"/>
@@ -965,7 +966,7 @@
       </p:sp>
       <p:sp>
         <p:nvSpPr>
-          <p:cNvPr id="382" name="Google Shape;382;g1076ef1a259_0_150:notes"/>
+          <p:cNvPr id="381" name="Google Shape;381;g124cae4761f_0_75:notes"/>
           <p:cNvSpPr txBox="1"/>
           <p:nvPr>
             <p:ph idx="1" type="body"/>
@@ -1015,7 +1016,7 @@
   <p:cSld>
     <p:spTree>
       <p:nvGrpSpPr>
-        <p:cNvPr id="386" name="Shape 386"/>
+        <p:cNvPr id="389" name="Shape 389"/>
         <p:cNvGrpSpPr/>
         <p:nvPr/>
       </p:nvGrpSpPr>
@@ -1029,7 +1030,7 @@
       </p:grpSpPr>
       <p:sp>
         <p:nvSpPr>
-          <p:cNvPr id="387" name="Google Shape;387;g1076ef1a259_0_145:notes"/>
+          <p:cNvPr id="390" name="Google Shape;390;g1076ef1a259_0_150:notes"/>
           <p:cNvSpPr/>
           <p:nvPr>
             <p:ph idx="2" type="sldImg"/>
@@ -1064,7 +1065,7 @@
       </p:sp>
       <p:sp>
         <p:nvSpPr>
-          <p:cNvPr id="388" name="Google Shape;388;g1076ef1a259_0_145:notes"/>
+          <p:cNvPr id="391" name="Google Shape;391;g1076ef1a259_0_150:notes"/>
           <p:cNvSpPr txBox="1"/>
           <p:nvPr>
             <p:ph idx="1" type="body"/>
@@ -1114,7 +1115,7 @@
   <p:cSld>
     <p:spTree>
       <p:nvGrpSpPr>
-        <p:cNvPr id="392" name="Shape 392"/>
+        <p:cNvPr id="395" name="Shape 395"/>
         <p:cNvGrpSpPr/>
         <p:nvPr/>
       </p:nvGrpSpPr>
@@ -1128,7 +1129,7 @@
       </p:grpSpPr>
       <p:sp>
         <p:nvSpPr>
-          <p:cNvPr id="393" name="Google Shape;393;g1076ef1a259_0_155:notes"/>
+          <p:cNvPr id="396" name="Google Shape;396;g1076ef1a259_0_145:notes"/>
           <p:cNvSpPr/>
           <p:nvPr>
             <p:ph idx="2" type="sldImg"/>
@@ -1163,7 +1164,7 @@
       </p:sp>
       <p:sp>
         <p:nvSpPr>
-          <p:cNvPr id="394" name="Google Shape;394;g1076ef1a259_0_155:notes"/>
+          <p:cNvPr id="397" name="Google Shape;397;g1076ef1a259_0_145:notes"/>
           <p:cNvSpPr txBox="1"/>
           <p:nvPr>
             <p:ph idx="1" type="body"/>
@@ -1213,7 +1214,7 @@
   <p:cSld>
     <p:spTree>
       <p:nvGrpSpPr>
-        <p:cNvPr id="398" name="Shape 398"/>
+        <p:cNvPr id="401" name="Shape 401"/>
         <p:cNvGrpSpPr/>
         <p:nvPr/>
       </p:nvGrpSpPr>
@@ -1227,7 +1228,7 @@
       </p:grpSpPr>
       <p:sp>
         <p:nvSpPr>
-          <p:cNvPr id="399" name="Google Shape;399;g1076ef1a259_0_178:notes"/>
+          <p:cNvPr id="402" name="Google Shape;402;g1076ef1a259_0_155:notes"/>
           <p:cNvSpPr/>
           <p:nvPr>
             <p:ph idx="2" type="sldImg"/>
@@ -1262,7 +1263,106 @@
       </p:sp>
       <p:sp>
         <p:nvSpPr>
-          <p:cNvPr id="400" name="Google Shape;400;g1076ef1a259_0_178:notes"/>
+          <p:cNvPr id="403" name="Google Shape;403;g1076ef1a259_0_155:notes"/>
+          <p:cNvSpPr txBox="1"/>
+          <p:nvPr>
+            <p:ph idx="1" type="body"/>
+          </p:nvPr>
+        </p:nvSpPr>
+        <p:spPr>
+          <a:xfrm>
+            <a:off x="685800" y="4343400"/>
+            <a:ext cx="5486400" cy="4114800"/>
+          </a:xfrm>
+          <a:prstGeom prst="rect">
+            <a:avLst/>
+          </a:prstGeom>
+        </p:spPr>
+        <p:txBody>
+          <a:bodyPr anchorCtr="0" anchor="t" bIns="91425" lIns="91425" spcFirstLastPara="1" rIns="91425" wrap="square" tIns="91425">
+            <a:noAutofit/>
+          </a:bodyPr>
+          <a:lstStyle/>
+          <a:p>
+            <a:pPr indent="0" lvl="0" marL="0" rtl="0" algn="l">
+              <a:spcBef>
+                <a:spcPts val="0"/>
+              </a:spcBef>
+              <a:spcAft>
+                <a:spcPts val="0"/>
+              </a:spcAft>
+              <a:buNone/>
+            </a:pPr>
+            <a:r>
+              <a:t/>
+            </a:r>
+            <a:endParaRPr/>
+          </a:p>
+        </p:txBody>
+      </p:sp>
+    </p:spTree>
+  </p:cSld>
+  <p:clrMapOvr>
+    <a:masterClrMapping/>
+  </p:clrMapOvr>
+</p:notes>
+</file>
+
+<file path=ppt/notesSlides/notesSlide15.xml><?xml version="1.0" encoding="utf-8"?>
+<p:notes xmlns:a="http://schemas.openxmlformats.org/drawingml/2006/main" xmlns:r="http://schemas.openxmlformats.org/officeDocument/2006/relationships" xmlns:mc="http://schemas.openxmlformats.org/markup-compatibility/2006" xmlns:mv="urn:schemas-microsoft-com:mac:vml" xmlns:p="http://schemas.openxmlformats.org/presentationml/2006/main" xmlns:c="http://schemas.openxmlformats.org/drawingml/2006/chart" xmlns:dgm="http://schemas.openxmlformats.org/drawingml/2006/diagram" xmlns:o="urn:schemas-microsoft-com:office:office" xmlns:v="urn:schemas-microsoft-com:vml" xmlns:pvml="urn:schemas-microsoft-com:office:powerpoint" xmlns:com="http://schemas.openxmlformats.org/drawingml/2006/compatibility" xmlns:p14="http://schemas.microsoft.com/office/powerpoint/2010/main" xmlns:p15="http://schemas.microsoft.com/office/powerpoint/2012/main" xmlns:ahyp="http://schemas.microsoft.com/office/drawing/2018/hyperlinkcolor" showMasterPhAnim="0" showMasterSp="0">
+  <p:cSld>
+    <p:spTree>
+      <p:nvGrpSpPr>
+        <p:cNvPr id="407" name="Shape 407"/>
+        <p:cNvGrpSpPr/>
+        <p:nvPr/>
+      </p:nvGrpSpPr>
+      <p:grpSpPr>
+        <a:xfrm>
+          <a:off x="0" y="0"/>
+          <a:ext cx="0" cy="0"/>
+          <a:chOff x="0" y="0"/>
+          <a:chExt cx="0" cy="0"/>
+        </a:xfrm>
+      </p:grpSpPr>
+      <p:sp>
+        <p:nvSpPr>
+          <p:cNvPr id="408" name="Google Shape;408;g1076ef1a259_0_178:notes"/>
+          <p:cNvSpPr/>
+          <p:nvPr>
+            <p:ph idx="2" type="sldImg"/>
+          </p:nvPr>
+        </p:nvSpPr>
+        <p:spPr>
+          <a:xfrm>
+            <a:off x="381300" y="685800"/>
+            <a:ext cx="6096000" cy="3429000"/>
+          </a:xfrm>
+          <a:custGeom>
+            <a:rect b="b" l="l" r="r" t="t"/>
+            <a:pathLst>
+              <a:path extrusionOk="0" h="120000" w="120000">
+                <a:moveTo>
+                  <a:pt x="0" y="0"/>
+                </a:moveTo>
+                <a:lnTo>
+                  <a:pt x="120000" y="0"/>
+                </a:lnTo>
+                <a:lnTo>
+                  <a:pt x="120000" y="120000"/>
+                </a:lnTo>
+                <a:lnTo>
+                  <a:pt x="0" y="120000"/>
+                </a:lnTo>
+                <a:close/>
+              </a:path>
+            </a:pathLst>
+          </a:custGeom>
+        </p:spPr>
+      </p:sp>
+      <p:sp>
+        <p:nvSpPr>
+          <p:cNvPr id="409" name="Google Shape;409;g1076ef1a259_0_178:notes"/>
           <p:cNvSpPr txBox="1"/>
           <p:nvPr>
             <p:ph idx="1" type="body"/>
@@ -2019,7 +2119,7 @@
       </p:grpSpPr>
       <p:sp>
         <p:nvSpPr>
-          <p:cNvPr id="364" name="Google Shape;364;g1251f99c7e3_0_8:notes"/>
+          <p:cNvPr id="364" name="Google Shape;364;g1251f99c7e3_1_0:notes"/>
           <p:cNvSpPr/>
           <p:nvPr>
             <p:ph idx="2" type="sldImg"/>
@@ -2054,7 +2154,7 @@
       </p:sp>
       <p:sp>
         <p:nvSpPr>
-          <p:cNvPr id="365" name="Google Shape;365;g1251f99c7e3_0_8:notes"/>
+          <p:cNvPr id="365" name="Google Shape;365;g1251f99c7e3_1_0:notes"/>
           <p:cNvSpPr txBox="1"/>
           <p:nvPr>
             <p:ph idx="1" type="body"/>
@@ -16520,7 +16620,7 @@
   <p:cSld>
     <p:spTree>
       <p:nvGrpSpPr>
-        <p:cNvPr id="373" name="Shape 373"/>
+        <p:cNvPr id="375" name="Shape 375"/>
         <p:cNvGrpSpPr/>
         <p:nvPr/>
       </p:nvGrpSpPr>
@@ -16534,7 +16634,7 @@
       </p:grpSpPr>
       <p:sp>
         <p:nvSpPr>
-          <p:cNvPr id="374" name="Google Shape;374;p22"/>
+          <p:cNvPr id="376" name="Google Shape;376;p22"/>
           <p:cNvSpPr txBox="1"/>
           <p:nvPr>
             <p:ph type="title"/>
@@ -16566,6 +16666,258 @@
             </a:pPr>
             <a:r>
               <a:rPr lang="en"/>
+              <a:t>Scores</a:t>
+            </a:r>
+            <a:endParaRPr/>
+          </a:p>
+        </p:txBody>
+      </p:sp>
+      <p:sp>
+        <p:nvSpPr>
+          <p:cNvPr id="377" name="Google Shape;377;p22"/>
+          <p:cNvSpPr txBox="1"/>
+          <p:nvPr>
+            <p:ph idx="1" type="body"/>
+          </p:nvPr>
+        </p:nvSpPr>
+        <p:spPr>
+          <a:xfrm>
+            <a:off x="1303800" y="2999500"/>
+            <a:ext cx="7030500" cy="1532100"/>
+          </a:xfrm>
+          <a:prstGeom prst="rect">
+            <a:avLst/>
+          </a:prstGeom>
+        </p:spPr>
+        <p:txBody>
+          <a:bodyPr anchorCtr="0" anchor="t" bIns="91425" lIns="91425" spcFirstLastPara="1" rIns="91425" wrap="square" tIns="91425">
+            <a:normAutofit/>
+          </a:bodyPr>
+          <a:lstStyle/>
+          <a:p>
+            <a:pPr indent="-311150" lvl="0" marL="457200" rtl="0" algn="l">
+              <a:spcBef>
+                <a:spcPts val="0"/>
+              </a:spcBef>
+              <a:spcAft>
+                <a:spcPts val="0"/>
+              </a:spcAft>
+              <a:buSzPts val="1300"/>
+              <a:buChar char="●"/>
+            </a:pPr>
+            <a:r>
+              <a:rPr lang="en"/>
+              <a:t>Homogeneity Score: 0 to 1, 1 stands for perfect </a:t>
+            </a:r>
+            <a:r>
+              <a:rPr lang="en"/>
+              <a:t>homogeneous</a:t>
+            </a:r>
+            <a:r>
+              <a:rPr lang="en"/>
+              <a:t> labeling</a:t>
+            </a:r>
+            <a:endParaRPr/>
+          </a:p>
+          <a:p>
+            <a:pPr indent="-311150" lvl="0" marL="457200" rtl="0" algn="l">
+              <a:spcBef>
+                <a:spcPts val="0"/>
+              </a:spcBef>
+              <a:spcAft>
+                <a:spcPts val="0"/>
+              </a:spcAft>
+              <a:buSzPts val="1300"/>
+              <a:buChar char="●"/>
+            </a:pPr>
+            <a:r>
+              <a:rPr lang="en"/>
+              <a:t>Silhouette Score: -1 to 1, -1 being the worst score, values near 0 indicate overlapping clusters</a:t>
+            </a:r>
+            <a:endParaRPr/>
+          </a:p>
+        </p:txBody>
+      </p:sp>
+      <p:graphicFrame>
+        <p:nvGraphicFramePr>
+          <p:cNvPr id="378" name="Google Shape;378;p22"/>
+          <p:cNvGraphicFramePr/>
+          <p:nvPr/>
+        </p:nvGraphicFramePr>
+        <p:xfrm>
+          <a:off x="1303800" y="1990038"/>
+          <a:ext cx="3000000" cy="3000000"/>
+        </p:xfrm>
+        <a:graphic>
+          <a:graphicData uri="http://schemas.openxmlformats.org/drawingml/2006/table">
+            <a:tbl>
+              <a:tblPr>
+                <a:noFill/>
+                <a:tableStyleId>{55F5634E-8938-4D5E-A3AB-A34C0C2C14D6}</a:tableStyleId>
+              </a:tblPr>
+              <a:tblGrid>
+                <a:gridCol w="3619500"/>
+                <a:gridCol w="3619500"/>
+              </a:tblGrid>
+              <a:tr h="381000">
+                <a:tc>
+                  <a:txBody>
+                    <a:bodyPr/>
+                    <a:lstStyle/>
+                    <a:p>
+                      <a:pPr indent="0" lvl="0" marL="0" rtl="0" algn="l">
+                        <a:spcBef>
+                          <a:spcPts val="0"/>
+                        </a:spcBef>
+                        <a:spcAft>
+                          <a:spcPts val="0"/>
+                        </a:spcAft>
+                        <a:buNone/>
+                      </a:pPr>
+                      <a:r>
+                        <a:rPr lang="en"/>
+                        <a:t>Homogeneity Score</a:t>
+                      </a:r>
+                      <a:endParaRPr/>
+                    </a:p>
+                  </a:txBody>
+                  <a:tcPr marT="91425" marB="91425" marR="91425" marL="91425"/>
+                </a:tc>
+                <a:tc>
+                  <a:txBody>
+                    <a:bodyPr/>
+                    <a:lstStyle/>
+                    <a:p>
+                      <a:pPr indent="0" lvl="0" marL="0" rtl="0" algn="l">
+                        <a:spcBef>
+                          <a:spcPts val="0"/>
+                        </a:spcBef>
+                        <a:spcAft>
+                          <a:spcPts val="0"/>
+                        </a:spcAft>
+                        <a:buNone/>
+                      </a:pPr>
+                      <a:r>
+                        <a:rPr lang="en"/>
+                        <a:t>Silhouette Score</a:t>
+                      </a:r>
+                      <a:endParaRPr/>
+                    </a:p>
+                  </a:txBody>
+                  <a:tcPr marT="91425" marB="91425" marR="91425" marL="91425"/>
+                </a:tc>
+              </a:tr>
+              <a:tr h="381000">
+                <a:tc>
+                  <a:txBody>
+                    <a:bodyPr/>
+                    <a:lstStyle/>
+                    <a:p>
+                      <a:pPr indent="0" lvl="0" marL="0" rtl="0" algn="l">
+                        <a:spcBef>
+                          <a:spcPts val="0"/>
+                        </a:spcBef>
+                        <a:spcAft>
+                          <a:spcPts val="0"/>
+                        </a:spcAft>
+                        <a:buNone/>
+                      </a:pPr>
+                      <a:r>
+                        <a:rPr lang="en"/>
+                        <a:t>1.0 (didn’t make sense)</a:t>
+                      </a:r>
+                      <a:endParaRPr/>
+                    </a:p>
+                  </a:txBody>
+                  <a:tcPr marT="91425" marB="91425" marR="91425" marL="91425"/>
+                </a:tc>
+                <a:tc>
+                  <a:txBody>
+                    <a:bodyPr/>
+                    <a:lstStyle/>
+                    <a:p>
+                      <a:pPr indent="0" lvl="0" marL="0" rtl="0" algn="l">
+                        <a:spcBef>
+                          <a:spcPts val="0"/>
+                        </a:spcBef>
+                        <a:spcAft>
+                          <a:spcPts val="0"/>
+                        </a:spcAft>
+                        <a:buNone/>
+                      </a:pPr>
+                      <a:r>
+                        <a:rPr lang="en"/>
+                        <a:t>0.0271</a:t>
+                      </a:r>
+                      <a:endParaRPr/>
+                    </a:p>
+                  </a:txBody>
+                  <a:tcPr marT="91425" marB="91425" marR="91425" marL="91425"/>
+                </a:tc>
+              </a:tr>
+            </a:tbl>
+          </a:graphicData>
+        </a:graphic>
+      </p:graphicFrame>
+    </p:spTree>
+  </p:cSld>
+  <p:clrMapOvr>
+    <a:masterClrMapping/>
+  </p:clrMapOvr>
+</p:sld>
+</file>
+
+<file path=ppt/slides/slide11.xml><?xml version="1.0" encoding="utf-8"?>
+<p:sld xmlns:a="http://schemas.openxmlformats.org/drawingml/2006/main" xmlns:r="http://schemas.openxmlformats.org/officeDocument/2006/relationships" xmlns:mc="http://schemas.openxmlformats.org/markup-compatibility/2006" xmlns:mv="urn:schemas-microsoft-com:mac:vml" xmlns:p="http://schemas.openxmlformats.org/presentationml/2006/main" xmlns:c="http://schemas.openxmlformats.org/drawingml/2006/chart" xmlns:dgm="http://schemas.openxmlformats.org/drawingml/2006/diagram" xmlns:o="urn:schemas-microsoft-com:office:office" xmlns:v="urn:schemas-microsoft-com:vml" xmlns:pvml="urn:schemas-microsoft-com:office:powerpoint" xmlns:com="http://schemas.openxmlformats.org/drawingml/2006/compatibility" xmlns:p14="http://schemas.microsoft.com/office/powerpoint/2010/main" xmlns:p15="http://schemas.microsoft.com/office/powerpoint/2012/main" xmlns:ahyp="http://schemas.microsoft.com/office/drawing/2018/hyperlinkcolor">
+  <p:cSld>
+    <p:spTree>
+      <p:nvGrpSpPr>
+        <p:cNvPr id="382" name="Shape 382"/>
+        <p:cNvGrpSpPr/>
+        <p:nvPr/>
+      </p:nvGrpSpPr>
+      <p:grpSpPr>
+        <a:xfrm>
+          <a:off x="0" y="0"/>
+          <a:ext cx="0" cy="0"/>
+          <a:chOff x="0" y="0"/>
+          <a:chExt cx="0" cy="0"/>
+        </a:xfrm>
+      </p:grpSpPr>
+      <p:sp>
+        <p:nvSpPr>
+          <p:cNvPr id="383" name="Google Shape;383;p23"/>
+          <p:cNvSpPr txBox="1"/>
+          <p:nvPr>
+            <p:ph type="title"/>
+          </p:nvPr>
+        </p:nvSpPr>
+        <p:spPr>
+          <a:xfrm>
+            <a:off x="1303800" y="598575"/>
+            <a:ext cx="7030500" cy="999300"/>
+          </a:xfrm>
+          <a:prstGeom prst="rect">
+            <a:avLst/>
+          </a:prstGeom>
+        </p:spPr>
+        <p:txBody>
+          <a:bodyPr anchorCtr="0" anchor="t" bIns="91425" lIns="91425" spcFirstLastPara="1" rIns="91425" wrap="square" tIns="91425">
+            <a:normAutofit/>
+          </a:bodyPr>
+          <a:lstStyle/>
+          <a:p>
+            <a:pPr indent="0" lvl="0" marL="0" rtl="0" algn="l">
+              <a:spcBef>
+                <a:spcPts val="0"/>
+              </a:spcBef>
+              <a:spcAft>
+                <a:spcPts val="0"/>
+              </a:spcAft>
+              <a:buNone/>
+            </a:pPr>
+            <a:r>
+              <a:rPr lang="en"/>
               <a:t>Content Recommendation</a:t>
             </a:r>
             <a:endParaRPr/>
@@ -16574,7 +16926,7 @@
       </p:sp>
       <p:sp>
         <p:nvSpPr>
-          <p:cNvPr id="375" name="Google Shape;375;p22"/>
+          <p:cNvPr id="384" name="Google Shape;384;p23"/>
           <p:cNvSpPr txBox="1"/>
           <p:nvPr>
             <p:ph idx="1" type="body"/>
@@ -16629,7 +16981,7 @@
       </p:sp>
       <p:sp>
         <p:nvSpPr>
-          <p:cNvPr id="376" name="Google Shape;376;p22"/>
+          <p:cNvPr id="385" name="Google Shape;385;p23"/>
           <p:cNvSpPr txBox="1"/>
           <p:nvPr/>
         </p:nvSpPr>
@@ -16681,7 +17033,7 @@
       </p:sp>
       <p:sp>
         <p:nvSpPr>
-          <p:cNvPr id="377" name="Google Shape;377;p22"/>
+          <p:cNvPr id="386" name="Google Shape;386;p23"/>
           <p:cNvSpPr txBox="1"/>
           <p:nvPr/>
         </p:nvSpPr>
@@ -16780,7 +17132,7 @@
       </p:sp>
       <p:sp>
         <p:nvSpPr>
-          <p:cNvPr id="378" name="Google Shape;378;p22"/>
+          <p:cNvPr id="387" name="Google Shape;387;p23"/>
           <p:cNvSpPr txBox="1"/>
           <p:nvPr/>
         </p:nvSpPr>
@@ -16832,7 +17184,7 @@
       </p:sp>
       <p:sp>
         <p:nvSpPr>
-          <p:cNvPr id="379" name="Google Shape;379;p22"/>
+          <p:cNvPr id="388" name="Google Shape;388;p23"/>
           <p:cNvSpPr txBox="1"/>
           <p:nvPr/>
         </p:nvSpPr>
@@ -16937,12 +17289,12 @@
 </p:sld>
 </file>
 
-<file path=ppt/slides/slide11.xml><?xml version="1.0" encoding="utf-8"?>
+<file path=ppt/slides/slide12.xml><?xml version="1.0" encoding="utf-8"?>
 <p:sld xmlns:a="http://schemas.openxmlformats.org/drawingml/2006/main" xmlns:r="http://schemas.openxmlformats.org/officeDocument/2006/relationships" xmlns:mc="http://schemas.openxmlformats.org/markup-compatibility/2006" xmlns:mv="urn:schemas-microsoft-com:mac:vml" xmlns:p="http://schemas.openxmlformats.org/presentationml/2006/main" xmlns:c="http://schemas.openxmlformats.org/drawingml/2006/chart" xmlns:dgm="http://schemas.openxmlformats.org/drawingml/2006/diagram" xmlns:o="urn:schemas-microsoft-com:office:office" xmlns:v="urn:schemas-microsoft-com:vml" xmlns:pvml="urn:schemas-microsoft-com:office:powerpoint" xmlns:com="http://schemas.openxmlformats.org/drawingml/2006/compatibility" xmlns:p14="http://schemas.microsoft.com/office/powerpoint/2010/main" xmlns:p15="http://schemas.microsoft.com/office/powerpoint/2012/main" xmlns:ahyp="http://schemas.microsoft.com/office/drawing/2018/hyperlinkcolor">
   <p:cSld>
     <p:spTree>
       <p:nvGrpSpPr>
-        <p:cNvPr id="383" name="Shape 383"/>
+        <p:cNvPr id="392" name="Shape 392"/>
         <p:cNvGrpSpPr/>
         <p:nvPr/>
       </p:nvGrpSpPr>
@@ -16956,7 +17308,7 @@
       </p:grpSpPr>
       <p:sp>
         <p:nvSpPr>
-          <p:cNvPr id="384" name="Google Shape;384;p23"/>
+          <p:cNvPr id="393" name="Google Shape;393;p24"/>
           <p:cNvSpPr txBox="1"/>
           <p:nvPr>
             <p:ph type="title"/>
@@ -16996,7 +17348,7 @@
       </p:sp>
       <p:sp>
         <p:nvSpPr>
-          <p:cNvPr id="385" name="Google Shape;385;p23"/>
+          <p:cNvPr id="394" name="Google Shape;394;p24"/>
           <p:cNvSpPr txBox="1"/>
           <p:nvPr>
             <p:ph idx="1" type="body"/>
@@ -17092,12 +17444,12 @@
 </p:sld>
 </file>
 
-<file path=ppt/slides/slide12.xml><?xml version="1.0" encoding="utf-8"?>
+<file path=ppt/slides/slide13.xml><?xml version="1.0" encoding="utf-8"?>
 <p:sld xmlns:a="http://schemas.openxmlformats.org/drawingml/2006/main" xmlns:r="http://schemas.openxmlformats.org/officeDocument/2006/relationships" xmlns:mc="http://schemas.openxmlformats.org/markup-compatibility/2006" xmlns:mv="urn:schemas-microsoft-com:mac:vml" xmlns:p="http://schemas.openxmlformats.org/presentationml/2006/main" xmlns:c="http://schemas.openxmlformats.org/drawingml/2006/chart" xmlns:dgm="http://schemas.openxmlformats.org/drawingml/2006/diagram" xmlns:o="urn:schemas-microsoft-com:office:office" xmlns:v="urn:schemas-microsoft-com:vml" xmlns:pvml="urn:schemas-microsoft-com:office:powerpoint" xmlns:com="http://schemas.openxmlformats.org/drawingml/2006/compatibility" xmlns:p14="http://schemas.microsoft.com/office/powerpoint/2010/main" xmlns:p15="http://schemas.microsoft.com/office/powerpoint/2012/main" xmlns:ahyp="http://schemas.microsoft.com/office/drawing/2018/hyperlinkcolor">
   <p:cSld>
     <p:spTree>
       <p:nvGrpSpPr>
-        <p:cNvPr id="389" name="Shape 389"/>
+        <p:cNvPr id="398" name="Shape 398"/>
         <p:cNvGrpSpPr/>
         <p:nvPr/>
       </p:nvGrpSpPr>
@@ -17111,7 +17463,7 @@
       </p:grpSpPr>
       <p:sp>
         <p:nvSpPr>
-          <p:cNvPr id="390" name="Google Shape;390;p24"/>
+          <p:cNvPr id="399" name="Google Shape;399;p25"/>
           <p:cNvSpPr txBox="1"/>
           <p:nvPr>
             <p:ph type="title"/>
@@ -17151,7 +17503,7 @@
       </p:sp>
       <p:sp>
         <p:nvSpPr>
-          <p:cNvPr id="391" name="Google Shape;391;p24"/>
+          <p:cNvPr id="400" name="Google Shape;400;p25"/>
           <p:cNvSpPr txBox="1"/>
           <p:nvPr>
             <p:ph idx="1" type="body"/>
@@ -17266,12 +17618,12 @@
 </p:sld>
 </file>
 
-<file path=ppt/slides/slide13.xml><?xml version="1.0" encoding="utf-8"?>
+<file path=ppt/slides/slide14.xml><?xml version="1.0" encoding="utf-8"?>
 <p:sld xmlns:a="http://schemas.openxmlformats.org/drawingml/2006/main" xmlns:r="http://schemas.openxmlformats.org/officeDocument/2006/relationships" xmlns:mc="http://schemas.openxmlformats.org/markup-compatibility/2006" xmlns:mv="urn:schemas-microsoft-com:mac:vml" xmlns:p="http://schemas.openxmlformats.org/presentationml/2006/main" xmlns:c="http://schemas.openxmlformats.org/drawingml/2006/chart" xmlns:dgm="http://schemas.openxmlformats.org/drawingml/2006/diagram" xmlns:o="urn:schemas-microsoft-com:office:office" xmlns:v="urn:schemas-microsoft-com:vml" xmlns:pvml="urn:schemas-microsoft-com:office:powerpoint" xmlns:com="http://schemas.openxmlformats.org/drawingml/2006/compatibility" xmlns:p14="http://schemas.microsoft.com/office/powerpoint/2010/main" xmlns:p15="http://schemas.microsoft.com/office/powerpoint/2012/main" xmlns:ahyp="http://schemas.microsoft.com/office/drawing/2018/hyperlinkcolor">
   <p:cSld>
     <p:spTree>
       <p:nvGrpSpPr>
-        <p:cNvPr id="395" name="Shape 395"/>
+        <p:cNvPr id="404" name="Shape 404"/>
         <p:cNvGrpSpPr/>
         <p:nvPr/>
       </p:nvGrpSpPr>
@@ -17285,7 +17637,7 @@
       </p:grpSpPr>
       <p:sp>
         <p:nvSpPr>
-          <p:cNvPr id="396" name="Google Shape;396;p25"/>
+          <p:cNvPr id="405" name="Google Shape;405;p26"/>
           <p:cNvSpPr txBox="1"/>
           <p:nvPr>
             <p:ph type="title"/>
@@ -17325,7 +17677,7 @@
       </p:sp>
       <p:sp>
         <p:nvSpPr>
-          <p:cNvPr id="397" name="Google Shape;397;p25"/>
+          <p:cNvPr id="406" name="Google Shape;406;p26"/>
           <p:cNvSpPr txBox="1"/>
           <p:nvPr>
             <p:ph idx="1" type="body"/>
@@ -17540,12 +17892,12 @@
 </p:sld>
 </file>
 
-<file path=ppt/slides/slide14.xml><?xml version="1.0" encoding="utf-8"?>
+<file path=ppt/slides/slide15.xml><?xml version="1.0" encoding="utf-8"?>
 <p:sld xmlns:a="http://schemas.openxmlformats.org/drawingml/2006/main" xmlns:r="http://schemas.openxmlformats.org/officeDocument/2006/relationships" xmlns:mc="http://schemas.openxmlformats.org/markup-compatibility/2006" xmlns:mv="urn:schemas-microsoft-com:mac:vml" xmlns:p="http://schemas.openxmlformats.org/presentationml/2006/main" xmlns:c="http://schemas.openxmlformats.org/drawingml/2006/chart" xmlns:dgm="http://schemas.openxmlformats.org/drawingml/2006/diagram" xmlns:o="urn:schemas-microsoft-com:office:office" xmlns:v="urn:schemas-microsoft-com:vml" xmlns:pvml="urn:schemas-microsoft-com:office:powerpoint" xmlns:com="http://schemas.openxmlformats.org/drawingml/2006/compatibility" xmlns:p14="http://schemas.microsoft.com/office/powerpoint/2010/main" xmlns:p15="http://schemas.microsoft.com/office/powerpoint/2012/main" xmlns:ahyp="http://schemas.microsoft.com/office/drawing/2018/hyperlinkcolor">
   <p:cSld>
     <p:spTree>
       <p:nvGrpSpPr>
-        <p:cNvPr id="401" name="Shape 401"/>
+        <p:cNvPr id="410" name="Shape 410"/>
         <p:cNvGrpSpPr/>
         <p:nvPr/>
       </p:nvGrpSpPr>
@@ -17559,7 +17911,7 @@
       </p:grpSpPr>
       <p:sp>
         <p:nvSpPr>
-          <p:cNvPr id="402" name="Google Shape;402;p26"/>
+          <p:cNvPr id="411" name="Google Shape;411;p27"/>
           <p:cNvSpPr txBox="1"/>
           <p:nvPr>
             <p:ph type="title"/>
@@ -21999,6 +22351,13 @@
 <file path=ppt/slides/slide9.xml><?xml version="1.0" encoding="utf-8"?>
 <p:sld xmlns:a="http://schemas.openxmlformats.org/drawingml/2006/main" xmlns:r="http://schemas.openxmlformats.org/officeDocument/2006/relationships" xmlns:mc="http://schemas.openxmlformats.org/markup-compatibility/2006" xmlns:mv="urn:schemas-microsoft-com:mac:vml" xmlns:p="http://schemas.openxmlformats.org/presentationml/2006/main" xmlns:c="http://schemas.openxmlformats.org/drawingml/2006/chart" xmlns:dgm="http://schemas.openxmlformats.org/drawingml/2006/diagram" xmlns:o="urn:schemas-microsoft-com:office:office" xmlns:v="urn:schemas-microsoft-com:vml" xmlns:pvml="urn:schemas-microsoft-com:office:powerpoint" xmlns:com="http://schemas.openxmlformats.org/drawingml/2006/compatibility" xmlns:p14="http://schemas.microsoft.com/office/powerpoint/2010/main" xmlns:p15="http://schemas.microsoft.com/office/powerpoint/2012/main" xmlns:ahyp="http://schemas.microsoft.com/office/drawing/2018/hyperlinkcolor">
   <p:cSld>
+    <p:bg>
+      <p:bgPr>
+        <a:solidFill>
+          <a:schemeClr val="dk1"/>
+        </a:solidFill>
+      </p:bgPr>
+    </p:bg>
     <p:spTree>
       <p:nvGrpSpPr>
         <p:cNvPr id="366" name="Shape 366"/>
@@ -22046,10 +22405,18 @@
               <a:buNone/>
             </a:pPr>
             <a:r>
-              <a:rPr lang="en"/>
-              <a:t>Scores</a:t>
+              <a:rPr lang="en">
+                <a:solidFill>
+                  <a:schemeClr val="lt1"/>
+                </a:solidFill>
+              </a:rPr>
+              <a:t>KMeans Word Cloud</a:t>
             </a:r>
-            <a:endParaRPr/>
+            <a:endParaRPr>
+              <a:solidFill>
+                <a:schemeClr val="lt1"/>
+              </a:solidFill>
+            </a:endParaRPr>
           </a:p>
         </p:txBody>
       </p:sp>
@@ -22063,8 +22430,8 @@
         </p:nvSpPr>
         <p:spPr>
           <a:xfrm>
-            <a:off x="1303800" y="2999500"/>
-            <a:ext cx="7030500" cy="1532100"/>
+            <a:off x="1303800" y="1990050"/>
+            <a:ext cx="4118100" cy="2541600"/>
           </a:xfrm>
           <a:prstGeom prst="rect">
             <a:avLst/>
@@ -22083,22 +22450,25 @@
               <a:spcAft>
                 <a:spcPts val="0"/>
               </a:spcAft>
+              <a:buClr>
+                <a:schemeClr val="lt1"/>
+              </a:buClr>
               <a:buSzPts val="1300"/>
               <a:buChar char="●"/>
             </a:pPr>
             <a:r>
-              <a:rPr lang="en"/>
-              <a:t>Homogeneity Score: 0 to 1, 1 stands for perfect </a:t>
+              <a:rPr lang="en">
+                <a:solidFill>
+                  <a:schemeClr val="lt1"/>
+                </a:solidFill>
+              </a:rPr>
+              <a:t>Using TFIDF Document Term Matrix</a:t>
             </a:r>
-            <a:r>
-              <a:rPr lang="en"/>
-              <a:t>homogeneous</a:t>
-            </a:r>
-            <a:r>
-              <a:rPr lang="en"/>
-              <a:t> labeling</a:t>
-            </a:r>
-            <a:endParaRPr/>
+            <a:endParaRPr>
+              <a:solidFill>
+                <a:schemeClr val="lt1"/>
+              </a:solidFill>
+            </a:endParaRPr>
           </a:p>
           <a:p>
             <a:pPr indent="-311150" lvl="0" marL="457200" rtl="0" algn="l">
@@ -22108,138 +22478,184 @@
               <a:spcAft>
                 <a:spcPts val="0"/>
               </a:spcAft>
+              <a:buClr>
+                <a:schemeClr val="lt1"/>
+              </a:buClr>
               <a:buSzPts val="1300"/>
               <a:buChar char="●"/>
             </a:pPr>
             <a:r>
-              <a:rPr lang="en"/>
-              <a:t>Silhouette Score: -1 to 1, -1 being the worst score, values near 0 indicate overlapping clusters</a:t>
+              <a:rPr lang="en">
+                <a:solidFill>
+                  <a:schemeClr val="lt1"/>
+                </a:solidFill>
+              </a:rPr>
+              <a:t>Cluster 0 </a:t>
             </a:r>
-            <a:endParaRPr/>
+            <a:r>
+              <a:rPr lang="en">
+                <a:solidFill>
+                  <a:schemeClr val="lt1"/>
+                </a:solidFill>
+              </a:rPr>
+              <a:t>consists</a:t>
+            </a:r>
+            <a:r>
+              <a:rPr lang="en">
+                <a:solidFill>
+                  <a:schemeClr val="lt1"/>
+                </a:solidFill>
+              </a:rPr>
+              <a:t> of request, errors, response, api -&gt; most likely web app related such as Flask, Django</a:t>
+            </a:r>
+            <a:endParaRPr>
+              <a:solidFill>
+                <a:schemeClr val="lt1"/>
+              </a:solidFill>
+            </a:endParaRPr>
+          </a:p>
+          <a:p>
+            <a:pPr indent="-311150" lvl="0" marL="457200" rtl="0" algn="l">
+              <a:spcBef>
+                <a:spcPts val="0"/>
+              </a:spcBef>
+              <a:spcAft>
+                <a:spcPts val="0"/>
+              </a:spcAft>
+              <a:buClr>
+                <a:schemeClr val="lt1"/>
+              </a:buClr>
+              <a:buSzPts val="1300"/>
+              <a:buChar char="●"/>
+            </a:pPr>
+            <a:r>
+              <a:rPr lang="en">
+                <a:solidFill>
+                  <a:schemeClr val="lt1"/>
+                </a:solidFill>
+              </a:rPr>
+              <a:t>Cluster 1 consists of errors, functions, messages, script-&gt; likely python function error related</a:t>
+            </a:r>
+            <a:endParaRPr>
+              <a:solidFill>
+                <a:schemeClr val="lt1"/>
+              </a:solidFill>
+            </a:endParaRPr>
+          </a:p>
+          <a:p>
+            <a:pPr indent="-311150" lvl="0" marL="457200" rtl="0" algn="l">
+              <a:spcBef>
+                <a:spcPts val="0"/>
+              </a:spcBef>
+              <a:spcAft>
+                <a:spcPts val="0"/>
+              </a:spcAft>
+              <a:buClr>
+                <a:schemeClr val="lt1"/>
+              </a:buClr>
+              <a:buSzPts val="1300"/>
+              <a:buChar char="●"/>
+            </a:pPr>
+            <a:r>
+              <a:rPr lang="en">
+                <a:solidFill>
+                  <a:schemeClr val="lt1"/>
+                </a:solidFill>
+              </a:rPr>
+              <a:t>Cluster 2 consists of file, csv, row, list -&gt; related to python taking in files, writing, cleaning, and filtering</a:t>
+            </a:r>
+            <a:endParaRPr>
+              <a:solidFill>
+                <a:schemeClr val="lt1"/>
+              </a:solidFill>
+            </a:endParaRPr>
           </a:p>
         </p:txBody>
       </p:sp>
-      <p:graphicFrame>
-        <p:nvGraphicFramePr>
+      <p:pic>
+        <p:nvPicPr>
           <p:cNvPr id="369" name="Google Shape;369;p21"/>
-          <p:cNvGraphicFramePr/>
+          <p:cNvPicPr preferRelativeResize="0"/>
           <p:nvPr/>
-        </p:nvGraphicFramePr>
-        <p:xfrm>
-          <a:off x="1303800" y="1990038"/>
-          <a:ext cx="3000000" cy="3000000"/>
-        </p:xfrm>
-        <a:graphic>
-          <a:graphicData uri="http://schemas.openxmlformats.org/drawingml/2006/table">
-            <a:tbl>
-              <a:tblPr>
-                <a:noFill/>
-                <a:tableStyleId>{CB9E2223-4BB2-4B92-99D8-4CA5D6E2C58D}</a:tableStyleId>
-              </a:tblPr>
-              <a:tblGrid>
-                <a:gridCol w="3619500"/>
-                <a:gridCol w="3619500"/>
-              </a:tblGrid>
-              <a:tr h="381000">
-                <a:tc>
-                  <a:txBody>
-                    <a:bodyPr/>
-                    <a:lstStyle/>
-                    <a:p>
-                      <a:pPr indent="0" lvl="0" marL="0" rtl="0" algn="l">
-                        <a:spcBef>
-                          <a:spcPts val="0"/>
-                        </a:spcBef>
-                        <a:spcAft>
-                          <a:spcPts val="0"/>
-                        </a:spcAft>
-                        <a:buNone/>
-                      </a:pPr>
-                      <a:r>
-                        <a:rPr lang="en"/>
-                        <a:t>Homogeneity Score</a:t>
-                      </a:r>
-                      <a:endParaRPr/>
-                    </a:p>
-                  </a:txBody>
-                  <a:tcPr marT="91425" marB="91425" marR="91425" marL="91425"/>
-                </a:tc>
-                <a:tc>
-                  <a:txBody>
-                    <a:bodyPr/>
-                    <a:lstStyle/>
-                    <a:p>
-                      <a:pPr indent="0" lvl="0" marL="0" rtl="0" algn="l">
-                        <a:spcBef>
-                          <a:spcPts val="0"/>
-                        </a:spcBef>
-                        <a:spcAft>
-                          <a:spcPts val="0"/>
-                        </a:spcAft>
-                        <a:buNone/>
-                      </a:pPr>
-                      <a:r>
-                        <a:rPr lang="en"/>
-                        <a:t>Silhouette Score</a:t>
-                      </a:r>
-                      <a:endParaRPr/>
-                    </a:p>
-                  </a:txBody>
-                  <a:tcPr marT="91425" marB="91425" marR="91425" marL="91425"/>
-                </a:tc>
-              </a:tr>
-              <a:tr h="381000">
-                <a:tc>
-                  <a:txBody>
-                    <a:bodyPr/>
-                    <a:lstStyle/>
-                    <a:p>
-                      <a:pPr indent="0" lvl="0" marL="0" rtl="0" algn="l">
-                        <a:spcBef>
-                          <a:spcPts val="0"/>
-                        </a:spcBef>
-                        <a:spcAft>
-                          <a:spcPts val="0"/>
-                        </a:spcAft>
-                        <a:buNone/>
-                      </a:pPr>
-                      <a:r>
-                        <a:rPr lang="en"/>
-                        <a:t>1.0 (didn’t make sense)</a:t>
-                      </a:r>
-                      <a:endParaRPr/>
-                    </a:p>
-                  </a:txBody>
-                  <a:tcPr marT="91425" marB="91425" marR="91425" marL="91425"/>
-                </a:tc>
-                <a:tc>
-                  <a:txBody>
-                    <a:bodyPr/>
-                    <a:lstStyle/>
-                    <a:p>
-                      <a:pPr indent="0" lvl="0" marL="0" rtl="0" algn="l">
-                        <a:spcBef>
-                          <a:spcPts val="0"/>
-                        </a:spcBef>
-                        <a:spcAft>
-                          <a:spcPts val="0"/>
-                        </a:spcAft>
-                        <a:buNone/>
-                      </a:pPr>
-                      <a:r>
-                        <a:rPr lang="en"/>
-                        <a:t>0.0271</a:t>
-                      </a:r>
-                      <a:endParaRPr/>
-                    </a:p>
-                  </a:txBody>
-                  <a:tcPr marT="91425" marB="91425" marR="91425" marL="91425"/>
-                </a:tc>
-              </a:tr>
-            </a:tbl>
-          </a:graphicData>
-        </a:graphic>
-      </p:graphicFrame>
+        </p:nvPicPr>
+        <p:blipFill>
+          <a:blip r:embed="rId3">
+            <a:alphaModFix/>
+          </a:blip>
+          <a:stretch>
+            <a:fillRect/>
+          </a:stretch>
+        </p:blipFill>
+        <p:spPr>
+          <a:xfrm>
+            <a:off x="5421973" y="401348"/>
+            <a:ext cx="2805500" cy="1401483"/>
+          </a:xfrm>
+          <a:prstGeom prst="rect">
+            <a:avLst/>
+          </a:prstGeom>
+          <a:noFill/>
+          <a:ln>
+            <a:noFill/>
+          </a:ln>
+        </p:spPr>
+      </p:pic>
+      <p:pic>
+        <p:nvPicPr>
+          <p:cNvPr id="370" name="Google Shape;370;p21"/>
+          <p:cNvPicPr preferRelativeResize="0"/>
+          <p:nvPr/>
+        </p:nvPicPr>
+        <p:blipFill>
+          <a:blip r:embed="rId4">
+            <a:alphaModFix/>
+          </a:blip>
+          <a:stretch>
+            <a:fillRect/>
+          </a:stretch>
+        </p:blipFill>
+        <p:spPr>
+          <a:xfrm>
+            <a:off x="5421973" y="1802831"/>
+            <a:ext cx="2805500" cy="1401483"/>
+          </a:xfrm>
+          <a:prstGeom prst="rect">
+            <a:avLst/>
+          </a:prstGeom>
+          <a:noFill/>
+          <a:ln>
+            <a:noFill/>
+          </a:ln>
+        </p:spPr>
+      </p:pic>
+      <p:pic>
+        <p:nvPicPr>
+          <p:cNvPr id="371" name="Google Shape;371;p21"/>
+          <p:cNvPicPr preferRelativeResize="0"/>
+          <p:nvPr/>
+        </p:nvPicPr>
+        <p:blipFill>
+          <a:blip r:embed="rId5">
+            <a:alphaModFix/>
+          </a:blip>
+          <a:stretch>
+            <a:fillRect/>
+          </a:stretch>
+        </p:blipFill>
+        <p:spPr>
+          <a:xfrm>
+            <a:off x="5421973" y="3204314"/>
+            <a:ext cx="2805500" cy="1401483"/>
+          </a:xfrm>
+          <a:prstGeom prst="rect">
+            <a:avLst/>
+          </a:prstGeom>
+          <a:noFill/>
+          <a:ln>
+            <a:noFill/>
+          </a:ln>
+        </p:spPr>
+      </p:pic>
     </p:spTree>
   </p:cSld>
   <p:clrMapOvr>
